--- a/slides/6-Eylul.pptx
+++ b/slides/6-Eylul.pptx
@@ -10,6 +10,7 @@
     <p:sldId id="258" r:id="rId4"/>
     <p:sldId id="259" r:id="rId5"/>
     <p:sldId id="260" r:id="rId6"/>
+    <p:sldId id="261" r:id="rId7"/>
   </p:sldIdLst>
   <p:sldSz cx="12192000" cy="6858000"/>
   <p:notesSz cx="6858000" cy="9144000"/>
@@ -923,6 +924,118 @@
 </inkml:ink>
 </file>
 
+<file path=ppt/ink/ink36.xml><?xml version="1.0" encoding="utf-8"?>
+<inkml:ink xmlns:inkml="http://www.w3.org/2003/InkML">
+  <inkml:definitions>
+    <inkml:context xml:id="ctx0">
+      <inkml:inkSource xml:id="inkSrc0">
+        <inkml:traceFormat>
+          <inkml:channel name="X" type="integer" min="-2.14748E9" max="2.14748E9" units="cm"/>
+          <inkml:channel name="Y" type="integer" min="-2.14748E9" max="2.14748E9" units="cm"/>
+          <inkml:channel name="F" type="integer" max="32767" units="dev"/>
+        </inkml:traceFormat>
+        <inkml:channelProperties>
+          <inkml:channelProperty channel="X" name="resolution" value="1000" units="1/cm"/>
+          <inkml:channelProperty channel="Y" name="resolution" value="1000" units="1/cm"/>
+          <inkml:channelProperty channel="F" name="resolution" value="0" units="1/dev"/>
+        </inkml:channelProperties>
+      </inkml:inkSource>
+      <inkml:timestamp xml:id="ts0" timeString="2021-09-06T10:38:07.933"/>
+    </inkml:context>
+    <inkml:brush xml:id="br0">
+      <inkml:brushProperty name="width" value="0.2" units="cm"/>
+      <inkml:brushProperty name="height" value="0.2" units="cm"/>
+      <inkml:brushProperty name="color" value="#E71224"/>
+    </inkml:brush>
+  </inkml:definitions>
+  <inkml:trace contextRef="#ctx0" brushRef="#br0">0 0 24575,'0'0'0</inkml:trace>
+</inkml:ink>
+</file>
+
+<file path=ppt/ink/ink37.xml><?xml version="1.0" encoding="utf-8"?>
+<inkml:ink xmlns:inkml="http://www.w3.org/2003/InkML">
+  <inkml:definitions>
+    <inkml:context xml:id="ctx0">
+      <inkml:inkSource xml:id="inkSrc0">
+        <inkml:traceFormat>
+          <inkml:channel name="X" type="integer" min="-2.14748E9" max="2.14748E9" units="cm"/>
+          <inkml:channel name="Y" type="integer" min="-2.14748E9" max="2.14748E9" units="cm"/>
+          <inkml:channel name="F" type="integer" max="32767" units="dev"/>
+        </inkml:traceFormat>
+        <inkml:channelProperties>
+          <inkml:channelProperty channel="X" name="resolution" value="1000" units="1/cm"/>
+          <inkml:channelProperty channel="Y" name="resolution" value="1000" units="1/cm"/>
+          <inkml:channelProperty channel="F" name="resolution" value="0" units="1/dev"/>
+        </inkml:channelProperties>
+      </inkml:inkSource>
+      <inkml:timestamp xml:id="ts0" timeString="2021-09-06T10:39:39.810"/>
+    </inkml:context>
+    <inkml:brush xml:id="br0">
+      <inkml:brushProperty name="width" value="0.2" units="cm"/>
+      <inkml:brushProperty name="height" value="0.2" units="cm"/>
+      <inkml:brushProperty name="color" value="#00A0D7"/>
+    </inkml:brush>
+  </inkml:definitions>
+  <inkml:trace contextRef="#ctx0" brushRef="#br0">1 7267 24575,'33'-19'0,"25"-20"0,6-5 0,-22 14 0,0-1 0,25-19 0,-1 0 0,3-1 0,-16 4 0,-1 1 0,2 0 0,14-14 0,-3 3 0,-28 26 0,17-18 0,4-1 0,-6 15 0,6-9 0,11-13 0,-9 9 0,10-3 0,-18 11 0,6-6 0,-9 7 0,1-3 0,-7 1 0,4-1 0,30-18 0,-21 13 0,8-7 0,-6 5 0,-11 10 0,0 1 0,31-20 0,-1-1 0,-34 20 0,-3 5 0,35-15 0,-33 13 0,-1-1 0,21-14 0,-5 1 0,-15 9 0,8-9 0,1 0 0,1 0 0,2 0 0,6-4 0,-1 5 0,6-5 0,3-1 0,0 0 0,-3 2 0,6-5 0,-2 2 0,-1 1 0,0 2-624,-4 6 0,0 2 0,-1 1 0,-7 4 624,19-16 0,-8 4 0,-8 4 0,-5 2 0,-14 8 0,0 0 0,15-8 0,1 0 0,-19 9 0,1 0 0,26-16 0,3 0 0,-18 11 0,2 1 0,4 0 0,5-2 0,-6 4 0,-8 6 0,-2 2 0,12-3 0,-2 2 0,8-13 0,7-10 0,2-4 0,-25 17 0,-2 1 653,17-13 0,0-1-653,-17 12 0,0 0-30,16-12 0,2 0 30,-8 5 0,3-2 0,6-4 0,7-6 0,-8 7 0,-12 11 0,0-1 0,20-17 0,11-8 0,-9 5 0,-13 4 0,-1 2 0,1 3 0,5-3 0,-5 2 0,1-9 0,-4 4 0,-4 12 0,1 0 0,-6 0 0,3-3 0,1 3 0,27-13 0,-1 2 0,-12-1 0,-1 1 593,7 6 0,-6 6-593,5-8 32,-24 16 0,2-3-32,8-6 0,-4 3 0,12-12 0,-19 14 0,0 2 0,9-1 0,-16 4 0,2-2 0,-2 9 0,0-1 0,1-7 0,0 0 0,33-21 0,-28 20 0,1-4 0,0 6 0,-13-1 0,6 7 0,1 0 0,-2-11 0,19-8 0,-15 5 0,-3 3 0,0 10 0,3-12 0,0 0 0,-7 11 0,-7 4 0,-1-2 0,-18 24 0,-6 2 0,0 4 0,-5 4 0</inkml:trace>
+</inkml:ink>
+</file>
+
+<file path=ppt/ink/ink38.xml><?xml version="1.0" encoding="utf-8"?>
+<inkml:ink xmlns:inkml="http://www.w3.org/2003/InkML">
+  <inkml:definitions>
+    <inkml:context xml:id="ctx0">
+      <inkml:inkSource xml:id="inkSrc0">
+        <inkml:traceFormat>
+          <inkml:channel name="X" type="integer" min="-2.14748E9" max="2.14748E9" units="cm"/>
+          <inkml:channel name="Y" type="integer" min="-2.14748E9" max="2.14748E9" units="cm"/>
+          <inkml:channel name="F" type="integer" max="32767" units="dev"/>
+        </inkml:traceFormat>
+        <inkml:channelProperties>
+          <inkml:channelProperty channel="X" name="resolution" value="1000" units="1/cm"/>
+          <inkml:channelProperty channel="Y" name="resolution" value="1000" units="1/cm"/>
+          <inkml:channelProperty channel="F" name="resolution" value="0" units="1/dev"/>
+        </inkml:channelProperties>
+      </inkml:inkSource>
+      <inkml:timestamp xml:id="ts0" timeString="2021-09-06T10:39:42.906"/>
+    </inkml:context>
+    <inkml:brush xml:id="br0">
+      <inkml:brushProperty name="width" value="0.2" units="cm"/>
+      <inkml:brushProperty name="height" value="0.2" units="cm"/>
+      <inkml:brushProperty name="color" value="#00A0D7"/>
+    </inkml:brush>
+  </inkml:definitions>
+  <inkml:trace contextRef="#ctx0" brushRef="#br0">1 6513 24575,'26'-22'0,"-9"2"0,31-44 0,7-9 0,6 5 0,-26 20 0,5-9 0,8-3 0,4 5 0,9-3 0,4-2 0,-2 1 0,-7 6 0,1-5 0,-5 4 0,5-5 0,-1 4 0,6-5 0,3-2 0,-3 2 0,-7 5 0,2-6 0,-7 5 0,-5 8 0,23-23 0,-13 6 0,3-3 0,-10 15 0,-1 3 0,-2 4 0,3-2 0,2-1 0,6-4 0,-7 7 0,-8 9 0,-2 3 0,18-13 0,0 0 0,-14 4 0,-4 4 0,17-4 0,-15 3 0,-2 1 0,-1 0 0,0 6 0,-5-9 0,10 2 0,-8 0 0,9-2 0,2 0 0,-5 1 0,7-2 0,-2 3 0,-14 14 0,23-18 0,17-15 0,-6 4 0,-9 5 0,-1-1 0,7-1 0,4-5 0,-8 7 0,-18 10 0,-2-1 0,27-31 0,-3 0 0,-2 8 0,-16 14 0,7-7 0,-11 11 0,-8 7 0,11-3 0,13-10 0,-5 3 0,-6-3 0,1 1 0,3 3 0,5-2 0,-5 2 0,-3-4 0,-2-1 0,1 1 0,3-5 0,0 2 0,13-15 0,2-3 0,-7 8 0,3-3 0,-1 5 0,13-8 0,-5 9 0,-25 20 0,1 1 0,7-1 0,5-3 0,-2 0 0,10-15 0,-2-1 0,5 0 0,-1-1 0,-6 1 0,-7 4 0,10-16 0,-9 9 0,-1-5 0,-18 22 0,-10 6 0,2-6 0,8-21 0,2-6 0,5-5 0,-1-1 0,-5 6 0,-2 6 0,-7 21 0,-1 5 0,21-26 0,-23 41 0,26-36 0,-26 46 0,-6 6 0,58-29 0,-47 29 0,35-19 0,-26 20 0,-22 0 0,22 0 0,25-12 0,-35 18 0,44-18 0,-55 21 0,8-3 0,40 0 0,-25 3 0,22-4 0,-36 5 0,-15 0 0,14 0 0,-13 0 0,5 0 0,-12 0 0</inkml:trace>
+</inkml:ink>
+</file>
+
+<file path=ppt/ink/ink39.xml><?xml version="1.0" encoding="utf-8"?>
+<inkml:ink xmlns:inkml="http://www.w3.org/2003/InkML">
+  <inkml:definitions>
+    <inkml:context xml:id="ctx0">
+      <inkml:inkSource xml:id="inkSrc0">
+        <inkml:traceFormat>
+          <inkml:channel name="X" type="integer" min="-2.14748E9" max="2.14748E9" units="cm"/>
+          <inkml:channel name="Y" type="integer" min="-2.14748E9" max="2.14748E9" units="cm"/>
+          <inkml:channel name="F" type="integer" max="32767" units="dev"/>
+        </inkml:traceFormat>
+        <inkml:channelProperties>
+          <inkml:channelProperty channel="X" name="resolution" value="1000" units="1/cm"/>
+          <inkml:channelProperty channel="Y" name="resolution" value="1000" units="1/cm"/>
+          <inkml:channelProperty channel="F" name="resolution" value="0" units="1/dev"/>
+        </inkml:channelProperties>
+      </inkml:inkSource>
+      <inkml:timestamp xml:id="ts0" timeString="2021-09-06T10:39:45.304"/>
+    </inkml:context>
+    <inkml:brush xml:id="br0">
+      <inkml:brushProperty name="width" value="0.2" units="cm"/>
+      <inkml:brushProperty name="height" value="0.2" units="cm"/>
+      <inkml:brushProperty name="color" value="#00A0D7"/>
+    </inkml:brush>
+  </inkml:definitions>
+  <inkml:trace contextRef="#ctx0" brushRef="#br0">1 124 24575,'55'0'0,"0"0"0,-1-10 0,4 9 0,1 0 0,0-15 0,4 9 0,-3-5 0,-10 6 0,-16-4 0,36-1 0,-29 3 0,31-1 0,-21 9 0,11-9 0,-11 7 0,-4-7 0,-26 9 0,-6-4 0,-1 3 0,-6-3 0,9 4 0,1-4 0,-44 41 0,-34 30 0,9-6 0,3 14 0,-6-11 0,-13 10 0,16-13 0,22-8 0,0 1 0,12 5 0,1-12 0,2 14 0,8-24 0,-5 2 0,1 3 0,4-13 0,-2-7 0,7-12 0,-2-2 0</inkml:trace>
+</inkml:ink>
+</file>
+
 <file path=ppt/ink/ink4.xml><?xml version="1.0" encoding="utf-8"?>
 <inkml:ink xmlns:inkml="http://www.w3.org/2003/InkML">
   <inkml:definitions>
@@ -948,6 +1061,286 @@
     </inkml:brush>
   </inkml:definitions>
   <inkml:trace contextRef="#ctx0" brushRef="#br0">10 57 24575,'-5'15'0,"1"23"0,38 14 0,-20 6 0,32-3 0,-19-22 0,6 10 0,8-11 0,-5 5 0,-1 1 0,11 1 0,11 13 0,-31-26 0,-14-15 0,3 5 0,15 8 0,-20-10 0,28 20 0,-30-21 0,12 7 0,-6-14 0,-2-1 0,2-5 0,1 0 0,1 0 0,0 0 0,34-59 0,-17 16 0,-5 1 0,0 0 0,5-10 0,-1 7 0,1-8 0,-7 6 0,9-4 0,0-1 0,-5 6 0,11-6 0,-1 5 0,-18 25 0,11-11 0,-17 18 0,-9 8 0,2-3 0</inkml:trace>
+</inkml:ink>
+</file>
+
+<file path=ppt/ink/ink40.xml><?xml version="1.0" encoding="utf-8"?>
+<inkml:ink xmlns:inkml="http://www.w3.org/2003/InkML">
+  <inkml:definitions>
+    <inkml:context xml:id="ctx0">
+      <inkml:inkSource xml:id="inkSrc0">
+        <inkml:traceFormat>
+          <inkml:channel name="X" type="integer" min="-2.14748E9" max="2.14748E9" units="cm"/>
+          <inkml:channel name="Y" type="integer" min="-2.14748E9" max="2.14748E9" units="cm"/>
+          <inkml:channel name="F" type="integer" max="32767" units="dev"/>
+        </inkml:traceFormat>
+        <inkml:channelProperties>
+          <inkml:channelProperty channel="X" name="resolution" value="1000" units="1/cm"/>
+          <inkml:channelProperty channel="Y" name="resolution" value="1000" units="1/cm"/>
+          <inkml:channelProperty channel="F" name="resolution" value="0" units="1/dev"/>
+        </inkml:channelProperties>
+      </inkml:inkSource>
+      <inkml:timestamp xml:id="ts0" timeString="2021-09-06T10:39:51.469"/>
+    </inkml:context>
+    <inkml:brush xml:id="br0">
+      <inkml:brushProperty name="width" value="0.2" units="cm"/>
+      <inkml:brushProperty name="height" value="0.2" units="cm"/>
+      <inkml:brushProperty name="color" value="#00A0D7"/>
+    </inkml:brush>
+  </inkml:definitions>
+  <inkml:trace contextRef="#ctx0" brushRef="#br0">0 47 24575,'47'0'0,"-20"0"0,28 0 0,-20 0 0,6 0 0,24-4 0,-33-1 0,24-5 0,-44 5 0,10-4 0,0 8 0,1-7 0,-3 7 0,-4-2 0</inkml:trace>
+</inkml:ink>
+</file>
+
+<file path=ppt/ink/ink41.xml><?xml version="1.0" encoding="utf-8"?>
+<inkml:ink xmlns:inkml="http://www.w3.org/2003/InkML">
+  <inkml:definitions>
+    <inkml:context xml:id="ctx0">
+      <inkml:inkSource xml:id="inkSrc0">
+        <inkml:traceFormat>
+          <inkml:channel name="X" type="integer" min="-2.14748E9" max="2.14748E9" units="cm"/>
+          <inkml:channel name="Y" type="integer" min="-2.14748E9" max="2.14748E9" units="cm"/>
+          <inkml:channel name="F" type="integer" max="32767" units="dev"/>
+        </inkml:traceFormat>
+        <inkml:channelProperties>
+          <inkml:channelProperty channel="X" name="resolution" value="1000" units="1/cm"/>
+          <inkml:channelProperty channel="Y" name="resolution" value="1000" units="1/cm"/>
+          <inkml:channelProperty channel="F" name="resolution" value="0" units="1/dev"/>
+        </inkml:channelProperties>
+      </inkml:inkSource>
+      <inkml:timestamp xml:id="ts0" timeString="2021-09-06T10:39:53.242"/>
+    </inkml:context>
+    <inkml:brush xml:id="br0">
+      <inkml:brushProperty name="width" value="0.2" units="cm"/>
+      <inkml:brushProperty name="height" value="0.2" units="cm"/>
+      <inkml:brushProperty name="color" value="#00A0D7"/>
+    </inkml:brush>
+  </inkml:definitions>
+  <inkml:trace contextRef="#ctx0" brushRef="#br0">0 0 24575,'24'0'0,"27"8"0,-29-2 0,32 21 0,-37-15 0,15 15 0,-14-9 0,-2-3 0,4 2 0,-15-9 0,31 12 0,0 5 0,3 3 0,0 0 0,-12 6 0,-5-19 0,-2 11 0,-16-21 0,-4 11 0,-4-5 0,-1 5 0,-25 44 0,15-34 0,-16 54 0,5-20 0,5-10 0,-7 8 0,3-1 0,2-5 0,7-1 0,1 0 0,-3 4 0,1 23 0,16-55 0,-3 13 0,4-16 0,0-6 0,0-7 0</inkml:trace>
+</inkml:ink>
+</file>
+
+<file path=ppt/ink/ink42.xml><?xml version="1.0" encoding="utf-8"?>
+<inkml:ink xmlns:inkml="http://www.w3.org/2003/InkML">
+  <inkml:definitions>
+    <inkml:context xml:id="ctx0">
+      <inkml:inkSource xml:id="inkSrc0">
+        <inkml:traceFormat>
+          <inkml:channel name="X" type="integer" min="-2.14748E9" max="2.14748E9" units="cm"/>
+          <inkml:channel name="Y" type="integer" min="-2.14748E9" max="2.14748E9" units="cm"/>
+          <inkml:channel name="F" type="integer" max="32767" units="dev"/>
+        </inkml:traceFormat>
+        <inkml:channelProperties>
+          <inkml:channelProperty channel="X" name="resolution" value="1000" units="1/cm"/>
+          <inkml:channelProperty channel="Y" name="resolution" value="1000" units="1/cm"/>
+          <inkml:channelProperty channel="F" name="resolution" value="0" units="1/dev"/>
+        </inkml:channelProperties>
+      </inkml:inkSource>
+      <inkml:timestamp xml:id="ts0" timeString="2021-09-06T10:39:54.503"/>
+    </inkml:context>
+    <inkml:brush xml:id="br0">
+      <inkml:brushProperty name="width" value="0.2" units="cm"/>
+      <inkml:brushProperty name="height" value="0.2" units="cm"/>
+      <inkml:brushProperty name="color" value="#00A0D7"/>
+    </inkml:brush>
+  </inkml:definitions>
+  <inkml:trace contextRef="#ctx0" brushRef="#br0">834 0 24575,'-86'0'0,"0"0"0,-6 0 0,20 0 0,-11 0 0,12 0 0,-5 0 0,-16 0 0,16 0 0,38 0 0,-14 0 0,47 0 0,1 0 0</inkml:trace>
+</inkml:ink>
+</file>
+
+<file path=ppt/ink/ink43.xml><?xml version="1.0" encoding="utf-8"?>
+<inkml:ink xmlns:inkml="http://www.w3.org/2003/InkML">
+  <inkml:definitions>
+    <inkml:context xml:id="ctx0">
+      <inkml:inkSource xml:id="inkSrc0">
+        <inkml:traceFormat>
+          <inkml:channel name="X" type="integer" min="-2.14748E9" max="2.14748E9" units="cm"/>
+          <inkml:channel name="Y" type="integer" min="-2.14748E9" max="2.14748E9" units="cm"/>
+          <inkml:channel name="F" type="integer" max="32767" units="dev"/>
+        </inkml:traceFormat>
+        <inkml:channelProperties>
+          <inkml:channelProperty channel="X" name="resolution" value="1000" units="1/cm"/>
+          <inkml:channelProperty channel="Y" name="resolution" value="1000" units="1/cm"/>
+          <inkml:channelProperty channel="F" name="resolution" value="0" units="1/dev"/>
+        </inkml:channelProperties>
+      </inkml:inkSource>
+      <inkml:timestamp xml:id="ts0" timeString="2021-09-06T10:40:56.572"/>
+    </inkml:context>
+    <inkml:brush xml:id="br0">
+      <inkml:brushProperty name="width" value="0.2" units="cm"/>
+      <inkml:brushProperty name="height" value="0.2" units="cm"/>
+      <inkml:brushProperty name="color" value="#E71224"/>
+    </inkml:brush>
+  </inkml:definitions>
+  <inkml:trace contextRef="#ctx0" brushRef="#br0">823 0 24575,'-23'59'0,"-1"0"0,-2 3 0,0-1 0,-1-7 0,-4 7 0,-1 4 0,-4 10 0,-2 6 0,1-2 0,1-3 0,0-1 0,0 3 0,-1 5 0,6-8 0,-1 5 0,-1 3 0,1-1 0,2-3 0,2-6 0,-8 21 0,5-8 0,2 5 0,7 0 0,2 8 0,4-5 0,3-15 0,6-16 0,3-2 0,-1 22 0,-1 10 0,3-17 0,3 0 0,8-12 0,4 13 0,1-13 0,6 10 0,8-10 0,7 11 0,-3-12 0,14 11 0,-8-21 0,6 8 0,-1 12 0,4 9 0,4-1 0,3-8 0,4-1 0,-2 1 0,-4 7 0,-1 3 0,2-8 0,2-13 0,2-6 0,-13-20 0,-16-25 0,32 9 0,1 9 0,-17-10 0,12 8 0,-41-18 0,-6-1 0,-7-3 0,-17-1 0,9-4 0,-9 0 0</inkml:trace>
+</inkml:ink>
+</file>
+
+<file path=ppt/ink/ink44.xml><?xml version="1.0" encoding="utf-8"?>
+<inkml:ink xmlns:inkml="http://www.w3.org/2003/InkML">
+  <inkml:definitions>
+    <inkml:context xml:id="ctx0">
+      <inkml:inkSource xml:id="inkSrc0">
+        <inkml:traceFormat>
+          <inkml:channel name="X" type="integer" min="-2.14748E9" max="2.14748E9" units="cm"/>
+          <inkml:channel name="Y" type="integer" min="-2.14748E9" max="2.14748E9" units="cm"/>
+          <inkml:channel name="F" type="integer" max="32767" units="dev"/>
+        </inkml:traceFormat>
+        <inkml:channelProperties>
+          <inkml:channelProperty channel="X" name="resolution" value="1000" units="1/cm"/>
+          <inkml:channelProperty channel="Y" name="resolution" value="1000" units="1/cm"/>
+          <inkml:channelProperty channel="F" name="resolution" value="0" units="1/dev"/>
+        </inkml:channelProperties>
+      </inkml:inkSource>
+      <inkml:timestamp xml:id="ts0" timeString="2021-09-06T10:40:57.869"/>
+    </inkml:context>
+    <inkml:brush xml:id="br0">
+      <inkml:brushProperty name="width" value="0.2" units="cm"/>
+      <inkml:brushProperty name="height" value="0.2" units="cm"/>
+      <inkml:brushProperty name="color" value="#E71224"/>
+    </inkml:brush>
+  </inkml:definitions>
+  <inkml:trace contextRef="#ctx0" brushRef="#br0">454 1 24575,'0'77'0,"0"1"0,0 6 0,0 6 0,0-6 0,0-36 0,0-16 0,4-1 0,1-16 0,7 9 0,-4-24 0,-3 0 0,-90 34 0,44-16 0,-12 4 0,-1 3 0,0 13 0,13-4 0,-16 10 0,23-11 0,9-12 0,-1 8 0,20-22 0,-6 9 0</inkml:trace>
+</inkml:ink>
+</file>
+
+<file path=ppt/ink/ink45.xml><?xml version="1.0" encoding="utf-8"?>
+<inkml:ink xmlns:inkml="http://www.w3.org/2003/InkML">
+  <inkml:definitions>
+    <inkml:context xml:id="ctx0">
+      <inkml:inkSource xml:id="inkSrc0">
+        <inkml:traceFormat>
+          <inkml:channel name="X" type="integer" min="-2.14748E9" max="2.14748E9" units="cm"/>
+          <inkml:channel name="Y" type="integer" min="-2.14748E9" max="2.14748E9" units="cm"/>
+          <inkml:channel name="F" type="integer" max="32767" units="dev"/>
+        </inkml:traceFormat>
+        <inkml:channelProperties>
+          <inkml:channelProperty channel="X" name="resolution" value="1000" units="1/cm"/>
+          <inkml:channelProperty channel="Y" name="resolution" value="1000" units="1/cm"/>
+          <inkml:channelProperty channel="F" name="resolution" value="0" units="1/dev"/>
+        </inkml:channelProperties>
+      </inkml:inkSource>
+      <inkml:timestamp xml:id="ts0" timeString="2021-09-06T10:41:30.012"/>
+    </inkml:context>
+    <inkml:brush xml:id="br0">
+      <inkml:brushProperty name="width" value="0.2" units="cm"/>
+      <inkml:brushProperty name="height" value="0.2" units="cm"/>
+      <inkml:brushProperty name="color" value="#E71224"/>
+    </inkml:brush>
+  </inkml:definitions>
+  <inkml:trace contextRef="#ctx0" brushRef="#br0">102 68 24575,'0'-21'0,"0"4"0,0 5 0,-15 3 0,2 5 0,-13 0 0,11 8 0,2 6 0,4 9 0,3 24 0,1-15 0,35 17 0,33-51 0,-12-2 0,6-16 0,-49-4 0,-8 17 0,0-5 0,0 7 0,-28 4 0,21 10 0,-21 6 0,28 2 0,0 9 0,7-7 0,-1-2 0,14-5 0,-5-16 0,18-17 0,-20 7 0,6-13 0,-19 21 0,0-2 0,-8 3 0,3 4 0,-13 2 0,0 16 0,6-1 0,-5 16 0,16 5 0,0-15 0,10 2 0,0-20 0,11-11 0,-13 4 0,4-5 0,-11 9 0</inkml:trace>
+</inkml:ink>
+</file>
+
+<file path=ppt/ink/ink46.xml><?xml version="1.0" encoding="utf-8"?>
+<inkml:ink xmlns:inkml="http://www.w3.org/2003/InkML">
+  <inkml:definitions>
+    <inkml:context xml:id="ctx0">
+      <inkml:inkSource xml:id="inkSrc0">
+        <inkml:traceFormat>
+          <inkml:channel name="X" type="integer" min="-2.14748E9" max="2.14748E9" units="cm"/>
+          <inkml:channel name="Y" type="integer" min="-2.14748E9" max="2.14748E9" units="cm"/>
+          <inkml:channel name="F" type="integer" max="32767" units="dev"/>
+        </inkml:traceFormat>
+        <inkml:channelProperties>
+          <inkml:channelProperty channel="X" name="resolution" value="1000" units="1/cm"/>
+          <inkml:channelProperty channel="Y" name="resolution" value="1000" units="1/cm"/>
+          <inkml:channelProperty channel="F" name="resolution" value="0" units="1/dev"/>
+        </inkml:channelProperties>
+      </inkml:inkSource>
+      <inkml:timestamp xml:id="ts0" timeString="2021-09-06T10:41:40.221"/>
+    </inkml:context>
+    <inkml:brush xml:id="br0">
+      <inkml:brushProperty name="width" value="0.2" units="cm"/>
+      <inkml:brushProperty name="height" value="0.2" units="cm"/>
+      <inkml:brushProperty name="color" value="#E71224"/>
+    </inkml:brush>
+  </inkml:definitions>
+  <inkml:trace contextRef="#ctx0" brushRef="#br0">148 34 24575,'-8'-18'0,"-18"6"0,-1 9 0,-2 3 0,7 3 0,18 2 0,0 48 0,4-19 0,0 39 0,0-45 0,4-2 0,8-9 0,7-10 0,12-17 0,-16-30 0,2 5 0,-17-4 0,0 30 0,-38-13 0,25 13 0,-33-8 0,37 24 0,0 16 0,6-7 0,3 10 0,0-17 0,8 3 0,1-6 0,14 2 0,0-12 0,4-20 0,-12-2 0,-8-1 0,-24 3 0,5 22 0,-21 6 0,25 13 0,-7 12 0,15-1 0,0 0 0,0 0 0,0-41 0,-12 18 0,6-32 0,-7 27 0,9 0 0</inkml:trace>
+</inkml:ink>
+</file>
+
+<file path=ppt/ink/ink47.xml><?xml version="1.0" encoding="utf-8"?>
+<inkml:ink xmlns:inkml="http://www.w3.org/2003/InkML">
+  <inkml:definitions>
+    <inkml:context xml:id="ctx0">
+      <inkml:inkSource xml:id="inkSrc0">
+        <inkml:traceFormat>
+          <inkml:channel name="X" type="integer" min="-2.14748E9" max="2.14748E9" units="cm"/>
+          <inkml:channel name="Y" type="integer" min="-2.14748E9" max="2.14748E9" units="cm"/>
+          <inkml:channel name="F" type="integer" max="32767" units="dev"/>
+        </inkml:traceFormat>
+        <inkml:channelProperties>
+          <inkml:channelProperty channel="X" name="resolution" value="1000" units="1/cm"/>
+          <inkml:channelProperty channel="Y" name="resolution" value="1000" units="1/cm"/>
+          <inkml:channelProperty channel="F" name="resolution" value="0" units="1/dev"/>
+        </inkml:channelProperties>
+      </inkml:inkSource>
+      <inkml:timestamp xml:id="ts0" timeString="2021-09-06T11:13:35.758"/>
+    </inkml:context>
+    <inkml:brush xml:id="br0">
+      <inkml:brushProperty name="width" value="0.2" units="cm"/>
+      <inkml:brushProperty name="height" value="0.2" units="cm"/>
+      <inkml:brushProperty name="color" value="#E71224"/>
+    </inkml:brush>
+  </inkml:definitions>
+  <inkml:trace contextRef="#ctx0" brushRef="#br0">1 1 24575,'0'67'0,"0"-36"0,0 29 0,0-50 0,0 7 0,0-8 0,0 3 0,0-3 0,0 3 0,0-7 0,0-2 0</inkml:trace>
+</inkml:ink>
+</file>
+
+<file path=ppt/ink/ink48.xml><?xml version="1.0" encoding="utf-8"?>
+<inkml:ink xmlns:inkml="http://www.w3.org/2003/InkML">
+  <inkml:definitions>
+    <inkml:context xml:id="ctx0">
+      <inkml:inkSource xml:id="inkSrc0">
+        <inkml:traceFormat>
+          <inkml:channel name="X" type="integer" min="-2.14748E9" max="2.14748E9" units="cm"/>
+          <inkml:channel name="Y" type="integer" min="-2.14748E9" max="2.14748E9" units="cm"/>
+          <inkml:channel name="F" type="integer" max="32767" units="dev"/>
+        </inkml:traceFormat>
+        <inkml:channelProperties>
+          <inkml:channelProperty channel="X" name="resolution" value="1000" units="1/cm"/>
+          <inkml:channelProperty channel="Y" name="resolution" value="1000" units="1/cm"/>
+          <inkml:channelProperty channel="F" name="resolution" value="0" units="1/dev"/>
+        </inkml:channelProperties>
+      </inkml:inkSource>
+      <inkml:timestamp xml:id="ts0" timeString="2021-09-06T11:13:37.931"/>
+    </inkml:context>
+    <inkml:brush xml:id="br0">
+      <inkml:brushProperty name="width" value="0.2" units="cm"/>
+      <inkml:brushProperty name="height" value="0.2" units="cm"/>
+      <inkml:brushProperty name="color" value="#E71224"/>
+    </inkml:brush>
+  </inkml:definitions>
+  <inkml:trace contextRef="#ctx0" brushRef="#br0">0 1 24575,'14'21'0,"-2"-4"0,1 0 0,-8-8 0,7 0 0,-11 2 0,18 10 0,-12-1 0,13 1 0,-15-9 0,10 12 0,-8-11 0,9 15 0,-11-19 0,6-1 0,-9 0 0,10-4 0,-8 3 0,4-6 0,0 2 0,13-37 0,-9 21 0,9-40 0,-12 41 0,1-16 0,-1 18 0,5-16 0,-9 15 0,7-9 0,-7 11 0,-1 1 0,0 4 0,-4 0 0</inkml:trace>
+</inkml:ink>
+</file>
+
+<file path=ppt/ink/ink49.xml><?xml version="1.0" encoding="utf-8"?>
+<inkml:ink xmlns:inkml="http://www.w3.org/2003/InkML">
+  <inkml:definitions>
+    <inkml:context xml:id="ctx0">
+      <inkml:inkSource xml:id="inkSrc0">
+        <inkml:traceFormat>
+          <inkml:channel name="X" type="integer" min="-2.14748E9" max="2.14748E9" units="cm"/>
+          <inkml:channel name="Y" type="integer" min="-2.14748E9" max="2.14748E9" units="cm"/>
+          <inkml:channel name="F" type="integer" max="32767" units="dev"/>
+        </inkml:traceFormat>
+        <inkml:channelProperties>
+          <inkml:channelProperty channel="X" name="resolution" value="1000" units="1/cm"/>
+          <inkml:channelProperty channel="Y" name="resolution" value="1000" units="1/cm"/>
+          <inkml:channelProperty channel="F" name="resolution" value="0" units="1/dev"/>
+        </inkml:channelProperties>
+      </inkml:inkSource>
+      <inkml:timestamp xml:id="ts0" timeString="2021-09-06T11:14:07.589"/>
+    </inkml:context>
+    <inkml:brush xml:id="br0">
+      <inkml:brushProperty name="width" value="0.2" units="cm"/>
+      <inkml:brushProperty name="height" value="0.2" units="cm"/>
+      <inkml:brushProperty name="color" value="#E71224"/>
+    </inkml:brush>
+  </inkml:definitions>
+  <inkml:trace contextRef="#ctx0" brushRef="#br0">681 1 24575,'-29'0'0,"-9"0"0,-15 0 0,9 0 0,-15 0 0,2 5 0,-37 22 0,23-15 0,19 3 0,6-1 0,16-9 0,-10 6 0,20-2 0,2-3 0,1-3 0,12-3 0,-3 0 0</inkml:trace>
 </inkml:ink>
 </file>
 
@@ -979,6 +1372,286 @@
 </inkml:ink>
 </file>
 
+<file path=ppt/ink/ink50.xml><?xml version="1.0" encoding="utf-8"?>
+<inkml:ink xmlns:inkml="http://www.w3.org/2003/InkML">
+  <inkml:definitions>
+    <inkml:context xml:id="ctx0">
+      <inkml:inkSource xml:id="inkSrc0">
+        <inkml:traceFormat>
+          <inkml:channel name="X" type="integer" min="-2.14748E9" max="2.14748E9" units="cm"/>
+          <inkml:channel name="Y" type="integer" min="-2.14748E9" max="2.14748E9" units="cm"/>
+          <inkml:channel name="F" type="integer" max="32767" units="dev"/>
+        </inkml:traceFormat>
+        <inkml:channelProperties>
+          <inkml:channelProperty channel="X" name="resolution" value="1000" units="1/cm"/>
+          <inkml:channelProperty channel="Y" name="resolution" value="1000" units="1/cm"/>
+          <inkml:channelProperty channel="F" name="resolution" value="0" units="1/dev"/>
+        </inkml:channelProperties>
+      </inkml:inkSource>
+      <inkml:timestamp xml:id="ts0" timeString="2021-09-06T11:14:09.029"/>
+    </inkml:context>
+    <inkml:brush xml:id="br0">
+      <inkml:brushProperty name="width" value="0.2" units="cm"/>
+      <inkml:brushProperty name="height" value="0.2" units="cm"/>
+      <inkml:brushProperty name="color" value="#E71224"/>
+    </inkml:brush>
+  </inkml:definitions>
+  <inkml:trace contextRef="#ctx0" brushRef="#br0">243 0 24575,'-19'0'0,"-31"46"0,28-25 0,-30 45 0,19-1 0,10-25 0,1 17 0,10-19 0,10-24 0,-6 18 0,8-23 0,3-4 0,2-1 0,3-4 0,6 0 0,10 0 0,39 0 0,-24 0 0,16 0 0,-37 0 0,-4 8 0,5 1 0,3 13 0,-8-7 0,7 9 0,-12-17 0,0 4 0,-5-11 0</inkml:trace>
+</inkml:ink>
+</file>
+
+<file path=ppt/ink/ink51.xml><?xml version="1.0" encoding="utf-8"?>
+<inkml:ink xmlns:inkml="http://www.w3.org/2003/InkML">
+  <inkml:definitions>
+    <inkml:context xml:id="ctx0">
+      <inkml:inkSource xml:id="inkSrc0">
+        <inkml:traceFormat>
+          <inkml:channel name="X" type="integer" min="-2.14748E9" max="2.14748E9" units="cm"/>
+          <inkml:channel name="Y" type="integer" min="-2.14748E9" max="2.14748E9" units="cm"/>
+          <inkml:channel name="F" type="integer" max="32767" units="dev"/>
+        </inkml:traceFormat>
+        <inkml:channelProperties>
+          <inkml:channelProperty channel="X" name="resolution" value="1000" units="1/cm"/>
+          <inkml:channelProperty channel="Y" name="resolution" value="1000" units="1/cm"/>
+          <inkml:channelProperty channel="F" name="resolution" value="0" units="1/dev"/>
+        </inkml:channelProperties>
+      </inkml:inkSource>
+      <inkml:timestamp xml:id="ts0" timeString="2021-09-06T10:47:22.739"/>
+    </inkml:context>
+    <inkml:brush xml:id="br0">
+      <inkml:brushProperty name="width" value="0.2" units="cm"/>
+      <inkml:brushProperty name="height" value="0.2" units="cm"/>
+      <inkml:brushProperty name="color" value="#E71224"/>
+    </inkml:brush>
+  </inkml:definitions>
+  <inkml:trace contextRef="#ctx0" brushRef="#br0">378 1 24575,'0'89'0,"0"0"0,0 0 0,0 0 0,0 0 0,0 6 0,0 0 0,0 1 0,0 1 0,0 3-547,1-9 1,-1-2 0,0 2 0,0 4 0,0 10 0,-1 11 363,1-43 1,0 5 0,0 4 0,0 4 0,1 4 0,-1 4 0,0 2 0,0 2 0,0 2 0,0 2 0,-1 1 0,0 1 0,0 0 0,-1-1 0,0 1 0,0-2 0,-1-1 0,-1-2 142,0-6 1,-1 0 0,0 2 0,-2-1 0,1 1 0,-1 1 0,-1 0 0,0-1 0,0 1 0,0 1 0,0-1 0,0 0 0,0 0 0,0 0 0,0 0 0,1 0 0,0-1 0,1 0 0,0 0 0,1-1-144,0 8 1,1 0 0,1 1 0,0 0 0,0 0 0,1 0 0,1 0 0,-1 0 0,0-1 0,1 0 0,-1-1 0,-1-1 0,1-2 0,-1 0 0,-1-1 0,0-3 0,-1 0 0,-2-3 108,-1 15 0,-2 3 1,-2 1-1,-1 1 1,0-2-1,-1-1 1,1-4-1,0-5 1,1-6-1,1-7 1,1-9-1,2-10 1,3-11 1103,-1 34 1,3-21-1031,-1-3 0,1-4 0,3 37 0,0-6 0,0-39 0,0-5 0,0-2 2723,0 18-2723,0-62 3276,0-16-2457,-6-8 0,5 8 0,-4-2 0</inkml:trace>
+</inkml:ink>
+</file>
+
+<file path=ppt/ink/ink52.xml><?xml version="1.0" encoding="utf-8"?>
+<inkml:ink xmlns:inkml="http://www.w3.org/2003/InkML">
+  <inkml:definitions>
+    <inkml:context xml:id="ctx0">
+      <inkml:inkSource xml:id="inkSrc0">
+        <inkml:traceFormat>
+          <inkml:channel name="X" type="integer" min="-2.14748E9" max="2.14748E9" units="cm"/>
+          <inkml:channel name="Y" type="integer" min="-2.14748E9" max="2.14748E9" units="cm"/>
+          <inkml:channel name="F" type="integer" max="32767" units="dev"/>
+        </inkml:traceFormat>
+        <inkml:channelProperties>
+          <inkml:channelProperty channel="X" name="resolution" value="1000" units="1/cm"/>
+          <inkml:channelProperty channel="Y" name="resolution" value="1000" units="1/cm"/>
+          <inkml:channelProperty channel="F" name="resolution" value="0" units="1/dev"/>
+        </inkml:channelProperties>
+      </inkml:inkSource>
+      <inkml:timestamp xml:id="ts0" timeString="2021-09-06T10:47:24.346"/>
+    </inkml:context>
+    <inkml:brush xml:id="br0">
+      <inkml:brushProperty name="width" value="0.2" units="cm"/>
+      <inkml:brushProperty name="height" value="0.2" units="cm"/>
+      <inkml:brushProperty name="color" value="#E71224"/>
+    </inkml:brush>
+  </inkml:definitions>
+  <inkml:trace contextRef="#ctx0" brushRef="#br0">1 1 24575,'0'90'0,"0"0"0,0-28 0,0 1 0,0 22 0,0-26 0,0 12 0,0 11 0,0 8 0,0 8 0,0 7 0,0 4 0,0 4 0,0 1 0,0 2 0,0-2 0,0-2 0,0-4 0,0-5 0,0-6 0,0-9-365,0 18 1,0-7 0,0-6 0,0-4 0,0 0 0,0 2 0,0 3 0,0 6 0,0 8 181,0-27 1,0 3 0,0 3 0,0 2 0,0 2 0,0 2 0,0 2 0,0 2 0,0 1 0,0 2 0,0 0 0,0 2 0,0 0 0,0 1 0,0 0 0,0 0 0,0 1 0,0-1 39,0-9 1,0 4-1,0 3 1,0 3-1,0 2 1,0 1-1,0 2 1,0 0-1,0 1 1,0 1-1,0-2 1,0 0-1,0-1 1,0-2 0,0-2-1,0-3 1,0-2-1,0-4 1,0-3-1,0-5 1,0-5-1,0-4 1,0-6-327,0 39 1,0-17 0,0-11 0,0-3 0,0 3 0,0 9 0,0 15 449,0-31 1,0 10-1,0 8 1,0 6 0,0 7-1,0 5 1,0 2 0,0 3-1,0 1 1,0 0-1,0-2 1,0-3 0,0-4-1,0-5 1,0-7 0,0-7-1,0-9 1,0-10 0,0-12-1,0-12 814,0 29 1,0-20-796,0 8 0,0 1 0,-1 3 0,2-1 0,1-16 0,1 1 1638,3 13 0,0-2-656,2 25 2294,2 7-185,-10-76-2776,0-6 0,0-9 0,0 0 0</inkml:trace>
+</inkml:ink>
+</file>
+
+<file path=ppt/ink/ink53.xml><?xml version="1.0" encoding="utf-8"?>
+<inkml:ink xmlns:inkml="http://www.w3.org/2003/InkML">
+  <inkml:definitions>
+    <inkml:context xml:id="ctx0">
+      <inkml:inkSource xml:id="inkSrc0">
+        <inkml:traceFormat>
+          <inkml:channel name="X" type="integer" min="-2.14748E9" max="2.14748E9" units="cm"/>
+          <inkml:channel name="Y" type="integer" min="-2.14748E9" max="2.14748E9" units="cm"/>
+          <inkml:channel name="F" type="integer" max="32767" units="dev"/>
+        </inkml:traceFormat>
+        <inkml:channelProperties>
+          <inkml:channelProperty channel="X" name="resolution" value="1000" units="1/cm"/>
+          <inkml:channelProperty channel="Y" name="resolution" value="1000" units="1/cm"/>
+          <inkml:channelProperty channel="F" name="resolution" value="0" units="1/dev"/>
+        </inkml:channelProperties>
+      </inkml:inkSource>
+      <inkml:timestamp xml:id="ts0" timeString="2021-09-06T10:47:30.609"/>
+    </inkml:context>
+    <inkml:brush xml:id="br0">
+      <inkml:brushProperty name="width" value="0.2" units="cm"/>
+      <inkml:brushProperty name="height" value="0.2" units="cm"/>
+      <inkml:brushProperty name="color" value="#E71224"/>
+    </inkml:brush>
+  </inkml:definitions>
+  <inkml:trace contextRef="#ctx0" brushRef="#br0">0 1 24575,'64'0'0,"3"0"0,8 0 0,4 0 0,8 0-820,-11 0 1,7 0 0,7 0 0,4 0 761,-8 0 0,6 0 0,4 0 0,0 0 1,-1 0-1,-6 0 58,-3 0 0,-5 0 0,-2 0 0,3 0 0,4 0 0,9 0 0,9 0 0,2 0 0,-3 0 0,-9 0 0,-14 0 0,20 0 0,-10 0-100,-5 0 0,4 0 1,-18 0 99,-8 0 226,15 0 0,-73 0 0,-1 0 0</inkml:trace>
+</inkml:ink>
+</file>
+
+<file path=ppt/ink/ink54.xml><?xml version="1.0" encoding="utf-8"?>
+<inkml:ink xmlns:inkml="http://www.w3.org/2003/InkML">
+  <inkml:definitions>
+    <inkml:context xml:id="ctx0">
+      <inkml:inkSource xml:id="inkSrc0">
+        <inkml:traceFormat>
+          <inkml:channel name="X" type="integer" min="-2.14748E9" max="2.14748E9" units="cm"/>
+          <inkml:channel name="Y" type="integer" min="-2.14748E9" max="2.14748E9" units="cm"/>
+          <inkml:channel name="F" type="integer" max="32767" units="dev"/>
+        </inkml:traceFormat>
+        <inkml:channelProperties>
+          <inkml:channelProperty channel="X" name="resolution" value="1000" units="1/cm"/>
+          <inkml:channelProperty channel="Y" name="resolution" value="1000" units="1/cm"/>
+          <inkml:channelProperty channel="F" name="resolution" value="0" units="1/dev"/>
+        </inkml:channelProperties>
+      </inkml:inkSource>
+      <inkml:timestamp xml:id="ts0" timeString="2021-09-06T10:47:32.129"/>
+    </inkml:context>
+    <inkml:brush xml:id="br0">
+      <inkml:brushProperty name="width" value="0.2" units="cm"/>
+      <inkml:brushProperty name="height" value="0.2" units="cm"/>
+      <inkml:brushProperty name="color" value="#E71224"/>
+    </inkml:brush>
+  </inkml:definitions>
+  <inkml:trace contextRef="#ctx0" brushRef="#br0">0 1 24575,'60'0'0,"-2"0"0,-21 0 0,21 2 0,0 1 0,-23-2 0,26 6 0,-9 4 0,-43-1 0,12 8 0,-21-6 0,3-4 0,-2 0 0,3 1 0,-4 14 0,0-11 0,0 12 0,-4-11 0,3-3 0,-3 2 0,4 21 0,0-19 0,0 25 0,0-16 0,0 1 0,-4 4 0,-29 4 0,5-8 0,-30 10 0,1-3 0,2 0 0,5 2 0,-4-6 0,11 1 0,38-11 0,1-3 0,4 5 0,0-5 0,0 4 0,0-13 0,0 3 0</inkml:trace>
+</inkml:ink>
+</file>
+
+<file path=ppt/ink/ink55.xml><?xml version="1.0" encoding="utf-8"?>
+<inkml:ink xmlns:inkml="http://www.w3.org/2003/InkML">
+  <inkml:definitions>
+    <inkml:context xml:id="ctx0">
+      <inkml:inkSource xml:id="inkSrc0">
+        <inkml:traceFormat>
+          <inkml:channel name="X" type="integer" min="-2.14748E9" max="2.14748E9" units="cm"/>
+          <inkml:channel name="Y" type="integer" min="-2.14748E9" max="2.14748E9" units="cm"/>
+          <inkml:channel name="F" type="integer" max="32767" units="dev"/>
+        </inkml:traceFormat>
+        <inkml:channelProperties>
+          <inkml:channelProperty channel="X" name="resolution" value="1000" units="1/cm"/>
+          <inkml:channelProperty channel="Y" name="resolution" value="1000" units="1/cm"/>
+          <inkml:channelProperty channel="F" name="resolution" value="0" units="1/dev"/>
+        </inkml:channelProperties>
+      </inkml:inkSource>
+      <inkml:timestamp xml:id="ts0" timeString="2021-09-06T10:47:40.186"/>
+    </inkml:context>
+    <inkml:brush xml:id="br0">
+      <inkml:brushProperty name="width" value="0.2" units="cm"/>
+      <inkml:brushProperty name="height" value="0.2" units="cm"/>
+      <inkml:brushProperty name="color" value="#E71224"/>
+    </inkml:brush>
+  </inkml:definitions>
+  <inkml:trace contextRef="#ctx0" brushRef="#br0">0 1095 24575,'86'-22'0,"-1"0"0,1 0 0,-14 2 0,12-4 0,8-4 0,5-1 0,4-1 0,-1-1 0,-3 2 0,-6 2 0,-8 3-656,10-3 1,-9 3-1,-3 2 1,4-2 0,11-5 327,-13 3 0,9-4 0,8-3 1,5-2-1,1-1 0,-1 1 1,-4 2-1,-6 2 0,-9 5 1,-13 5-629,27-4 1,-17 9 0,9-5 955,-16-1 0,9-4 0,3-1 0,1-1 0,-3 2 0,-7 5 0,5 2 0,-6 3 0,-2 3 0,1-2 460,2-2 0,3-2 1,-6 3-1,-11 3-460,0 3 0,-19 6 0,-28 4 0,-26 0 0</inkml:trace>
+</inkml:ink>
+</file>
+
+<file path=ppt/ink/ink56.xml><?xml version="1.0" encoding="utf-8"?>
+<inkml:ink xmlns:inkml="http://www.w3.org/2003/InkML">
+  <inkml:definitions>
+    <inkml:context xml:id="ctx0">
+      <inkml:inkSource xml:id="inkSrc0">
+        <inkml:traceFormat>
+          <inkml:channel name="X" type="integer" min="-2.14748E9" max="2.14748E9" units="cm"/>
+          <inkml:channel name="Y" type="integer" min="-2.14748E9" max="2.14748E9" units="cm"/>
+          <inkml:channel name="F" type="integer" max="32767" units="dev"/>
+        </inkml:traceFormat>
+        <inkml:channelProperties>
+          <inkml:channelProperty channel="X" name="resolution" value="1000" units="1/cm"/>
+          <inkml:channelProperty channel="Y" name="resolution" value="1000" units="1/cm"/>
+          <inkml:channelProperty channel="F" name="resolution" value="0" units="1/dev"/>
+        </inkml:channelProperties>
+      </inkml:inkSource>
+      <inkml:timestamp xml:id="ts0" timeString="2021-09-06T10:47:26.521"/>
+    </inkml:context>
+    <inkml:brush xml:id="br0">
+      <inkml:brushProperty name="width" value="0.2" units="cm"/>
+      <inkml:brushProperty name="height" value="0.2" units="cm"/>
+      <inkml:brushProperty name="color" value="#E71224"/>
+    </inkml:brush>
+  </inkml:definitions>
+  <inkml:trace contextRef="#ctx0" brushRef="#br0">3152 16 24575,'-98'0'0,"0"0"0,0 0 0,0 0 0,1 0 0,-1 0 0,13 0 0,2 0 0,0 0 0,-1 0 0,-2 0 0,-2 0 0,-4 0 0,2 0 0,-5 0 0,-5 0 0,-1 0 0,-1 0 0,3 0 0,3 0 0,5 0 0,8 0-656,-10 0 1,8 0-1,5 0 1,-1 0 0,-7 0 186,1 0 1,-11 0 0,-5 0 0,2 0 0,11 0 0,16 0 0,24 0-2326,9 0 5303,8 0-2509,31-7 1458,24 5-1458,12-5 0,2 7 0,-13 0 0</inkml:trace>
+</inkml:ink>
+</file>
+
+<file path=ppt/ink/ink57.xml><?xml version="1.0" encoding="utf-8"?>
+<inkml:ink xmlns:inkml="http://www.w3.org/2003/InkML">
+  <inkml:definitions>
+    <inkml:context xml:id="ctx0">
+      <inkml:inkSource xml:id="inkSrc0">
+        <inkml:traceFormat>
+          <inkml:channel name="X" type="integer" min="-2.14748E9" max="2.14748E9" units="cm"/>
+          <inkml:channel name="Y" type="integer" min="-2.14748E9" max="2.14748E9" units="cm"/>
+          <inkml:channel name="F" type="integer" max="32767" units="dev"/>
+        </inkml:traceFormat>
+        <inkml:channelProperties>
+          <inkml:channelProperty channel="X" name="resolution" value="1000" units="1/cm"/>
+          <inkml:channelProperty channel="Y" name="resolution" value="1000" units="1/cm"/>
+          <inkml:channelProperty channel="F" name="resolution" value="0" units="1/dev"/>
+        </inkml:channelProperties>
+      </inkml:inkSource>
+      <inkml:timestamp xml:id="ts0" timeString="2021-09-06T10:47:27.908"/>
+    </inkml:context>
+    <inkml:brush xml:id="br0">
+      <inkml:brushProperty name="width" value="0.2" units="cm"/>
+      <inkml:brushProperty name="height" value="0.2" units="cm"/>
+      <inkml:brushProperty name="color" value="#E71224"/>
+    </inkml:brush>
+  </inkml:definitions>
+  <inkml:trace contextRef="#ctx0" brushRef="#br0">802 0 24575,'-21'30'0,"-6"10"0,-9-1 0,-12 7 0,-7 6 0,-8 5 0,0-3 0,5-11 0,0-4 0,-2 1 0,-10 7 0,-3 0 0,10-12 0,-20-6 0,60-29 0,34-4 0,17 3 0,-17-3 0,23 4 0,-15 0 0,31 24 0,3 9 0,-14-4 0,25 43 0,-6 7 0,-32-18 0,6 15 0,-1 4 0,-5 5 0,5-4 0,-7-11 0,-17-52 0,5 4 0,-8-18 0,1-4 0,-2 0 0</inkml:trace>
+</inkml:ink>
+</file>
+
+<file path=ppt/ink/ink58.xml><?xml version="1.0" encoding="utf-8"?>
+<inkml:ink xmlns:inkml="http://www.w3.org/2003/InkML">
+  <inkml:definitions>
+    <inkml:context xml:id="ctx0">
+      <inkml:inkSource xml:id="inkSrc0">
+        <inkml:traceFormat>
+          <inkml:channel name="X" type="integer" min="-2.14748E9" max="2.14748E9" units="cm"/>
+          <inkml:channel name="Y" type="integer" min="-2.14748E9" max="2.14748E9" units="cm"/>
+          <inkml:channel name="F" type="integer" max="32767" units="dev"/>
+        </inkml:traceFormat>
+        <inkml:channelProperties>
+          <inkml:channelProperty channel="X" name="resolution" value="1000" units="1/cm"/>
+          <inkml:channelProperty channel="Y" name="resolution" value="1000" units="1/cm"/>
+          <inkml:channelProperty channel="F" name="resolution" value="0" units="1/dev"/>
+        </inkml:channelProperties>
+      </inkml:inkSource>
+      <inkml:timestamp xml:id="ts0" timeString="2021-09-06T10:47:42.161"/>
+    </inkml:context>
+    <inkml:brush xml:id="br0">
+      <inkml:brushProperty name="width" value="0.2" units="cm"/>
+      <inkml:brushProperty name="height" value="0.2" units="cm"/>
+      <inkml:brushProperty name="color" value="#E71224"/>
+    </inkml:brush>
+  </inkml:definitions>
+  <inkml:trace contextRef="#ctx0" brushRef="#br0">0 5 24575,'65'0'0,"-4"0"0,14 0 0,15 0 0,-14 0 0,13 0 0,10 0 0,5 0 0,3 0 0,-1 0 0,-4 0 0,-9 0-419,-1-1 1,-7 0 0,-3-1 0,1 1 0,8 2 0,10 3 418,-18 0 0,10 2 0,8 1 0,6 2 0,3 0 0,3 1 0,0 1 0,-2-1 0,-4 1 0,-5-1 0,-8-1 0,-9 0 0,-11-1-820,23 2 1,-18-2 0,-3 1 0,11 5 470,-2 1 0,12 3 0,7 2 0,0 2 0,-7 0 0,-12-1 0,-18-1 349,4 10 0,-15 0 629,-4-5 0,0 1-629,4 1 0,0 3 0,1 8 0,-5-3 0,0-7 228,22 12 0,-63-38 0,-11-13 0</inkml:trace>
+</inkml:ink>
+</file>
+
+<file path=ppt/ink/ink59.xml><?xml version="1.0" encoding="utf-8"?>
+<inkml:ink xmlns:inkml="http://www.w3.org/2003/InkML">
+  <inkml:definitions>
+    <inkml:context xml:id="ctx0">
+      <inkml:inkSource xml:id="inkSrc0">
+        <inkml:traceFormat>
+          <inkml:channel name="X" type="integer" min="-2.14748E9" max="2.14748E9" units="cm"/>
+          <inkml:channel name="Y" type="integer" min="-2.14748E9" max="2.14748E9" units="cm"/>
+          <inkml:channel name="F" type="integer" max="32767" units="dev"/>
+        </inkml:traceFormat>
+        <inkml:channelProperties>
+          <inkml:channelProperty channel="X" name="resolution" value="1000" units="1/cm"/>
+          <inkml:channelProperty channel="Y" name="resolution" value="1000" units="1/cm"/>
+          <inkml:channelProperty channel="F" name="resolution" value="0" units="1/dev"/>
+        </inkml:channelProperties>
+      </inkml:inkSource>
+      <inkml:timestamp xml:id="ts0" timeString="2021-09-06T10:47:53.292"/>
+    </inkml:context>
+    <inkml:brush xml:id="br0">
+      <inkml:brushProperty name="width" value="0.2" units="cm"/>
+      <inkml:brushProperty name="height" value="0.2" units="cm"/>
+      <inkml:brushProperty name="color" value="#E71224"/>
+    </inkml:brush>
+  </inkml:definitions>
+  <inkml:trace contextRef="#ctx0" brushRef="#br0">119 0 24575,'0'95'0,"0"0"0,0 0 0,0 0 0,0-18 0,0-4 0,0 2 0,0 7-547,0 1 1,0 7 0,0 5 0,0 0 0,0-3 0,0-5-274,0 15 1,0-3 0,0-6 0,0-7-274,0-16 1,0-7 0,0 17 727,0-7 1,0 17 0,0 10 0,0 8 0,0 4 0,0-2 0,0-4 0,0-9 0,0-13 332,0 12 1,0-14 0,0 0 0,0 16 31,0-16 0,0 12 0,0 10 0,0 5 0,0 4 0,0-2 0,0-3 0,0-7 0,0-11 0,0-14 590,0 25 1,0-20-1,0 13-590,0-12 0,0 12 0,0 7 0,0 3 0,0-3 0,0-7 0,0-12 0,0 10 0,0-12 0,0 18 0,0-25 0,0 14 0,0 10 0,0 7 0,0 3 0,0 0 0,0-3 0,0-6 0,0-11 0,0-12-213,0 27 0,0-18 1,0 15 212,0-19 0,0 15 0,0 9 0,0 4 0,0-2 0,0-5 0,0-11 0,0-17 1638,0 26 0,0 0-1569,0-23 1,0 18 0,0 12 0,0 7 0,0 0-1,0-4 1,0-9 0,0-17 258,0 17 1,0-15-1,0 12-328,0-16 0,0 11 0,0 7 0,0 3 0,0-1 0,0-6 0,0-9 0,0 12 0,0-8 0,0-5 0,0 2-760,-2-5 1,0-2 0,-1 1 0,1 3 759,-1-4 0,1 2 0,-1 2 0,1 2 0,-1-1-87,1 5 0,0 1 1,0 1-1,-1 1 0,1 3 87,-1-5 0,-1 1 0,0 3 0,1 0 0,-1 1 0,1-1 0,1-10 0,0-1 0,0 1 0,0 0 0,0 1 0,0 1 0,0 1-403,-1-1 0,1 3 0,-2 2 1,1 1-1,0-2 0,0-2 1,0-4-1,0-5 403,0 12 0,0-6 0,0-4 0,1-1 0,-1 0 0,0 17 0,0-1 0,1-1 0,0-1 113,1-5 1,1 0 0,1-2 0,-1-5-114,0 4 0,0-5 0,0 4 614,0-9 1,0 1 0,0 6 0,0 9-615,0-16 0,0 8 0,0 7 0,0 2 0,0 2 0,0-3 0,0-5 0,0-7 0,0 6 0,0-8 0,0-3 0,0 3 0,0 9 146,0-8 0,-1 7 0,1 4 1,-1 3-1,1 0 0,0-1 1,1-3-1,0-4-146,1 10 0,2 0 0,0-2 0,0-4 0,0-8 0,-2-8 0,0 0 0,-1-10 0,2 7 655,1 4 0,2 11 1,1 3-1,0-5 0,-3-13 329,-3 14 1,-1-12-985,4-13 0,0 0 1638,-1 29 0,0-1-954,-3-32 1,2-2-685,3 13 0,1-3 0,0 16 0,0-13 0,-2-48 0,1 4 0,-4 7 0,7-11 0,-7 4 0,2-23 0</inkml:trace>
+</inkml:ink>
+</file>
+
 <file path=ppt/ink/ink6.xml><?xml version="1.0" encoding="utf-8"?>
 <inkml:ink xmlns:inkml="http://www.w3.org/2003/InkML">
   <inkml:definitions>
@@ -1004,6 +1677,118 @@
     </inkml:brush>
   </inkml:definitions>
   <inkml:trace contextRef="#ctx0" brushRef="#br0">365 0 24575,'-33'17'0,"3"4"0,-23 33 0,32-26 0,-32 24 0,33-36 0,7-5 0,-7-1 0,1 4 0,6-7 0,-7 8 0,10-9 0,0-2 0,-4 10 0,7-7 0,-6 17 0,7-13 0,1 3 0,0-4 0,9 0 0,42 12 0,-20-14 0,61 26 0,-55-25 0,26 20 0,-33-16 0,9 9 0,-8-9 0,23 46 0,-19-20 0,-2 3 0,-2 0 0,-4-2 0,-1-1 0,-1-4 0,-17-15 0,16 11 0,-13-11 0,0-9 0,-2 5 0,1-6 0,-4 0 0,4-4 0,-5-2 0</inkml:trace>
+</inkml:ink>
+</file>
+
+<file path=ppt/ink/ink60.xml><?xml version="1.0" encoding="utf-8"?>
+<inkml:ink xmlns:inkml="http://www.w3.org/2003/InkML">
+  <inkml:definitions>
+    <inkml:context xml:id="ctx0">
+      <inkml:inkSource xml:id="inkSrc0">
+        <inkml:traceFormat>
+          <inkml:channel name="X" type="integer" min="-2.14748E9" max="2.14748E9" units="cm"/>
+          <inkml:channel name="Y" type="integer" min="-2.14748E9" max="2.14748E9" units="cm"/>
+          <inkml:channel name="F" type="integer" max="32767" units="dev"/>
+        </inkml:traceFormat>
+        <inkml:channelProperties>
+          <inkml:channelProperty channel="X" name="resolution" value="1000" units="1/cm"/>
+          <inkml:channelProperty channel="Y" name="resolution" value="1000" units="1/cm"/>
+          <inkml:channelProperty channel="F" name="resolution" value="0" units="1/dev"/>
+        </inkml:channelProperties>
+      </inkml:inkSource>
+      <inkml:timestamp xml:id="ts0" timeString="2021-09-06T10:47:55.363"/>
+    </inkml:context>
+    <inkml:brush xml:id="br0">
+      <inkml:brushProperty name="width" value="0.2" units="cm"/>
+      <inkml:brushProperty name="height" value="0.2" units="cm"/>
+      <inkml:brushProperty name="color" value="#E71224"/>
+    </inkml:brush>
+  </inkml:definitions>
+  <inkml:trace contextRef="#ctx0" brushRef="#br0">0 0 24575,'71'0'0,"0"0"0,14 0 0,-11 0 0,20 0 0,-23 0 0,11 0 0,-9 0 0,-20 0 0,-1 0 0,13 0 0,7 0 0,-1 0 0,21 0 0,-2 0 0,7 0 0,-7 0 0,-28 0 0,-11 0 0,-14 0 0,17 0 0,-31 0 0,4 0 0,-6 0 0,3 0 0,-13 0 0,-2 0 0,3 0 0,-3 0 0,-1 0 0,1 0 0,9 0 0,2 0 0,5 0 0,47 0 0,-22 0 0,1 0 0,41 0 0,4 0 0,-68 0 0,29 0 0,2 0 0,28 0 0,-29 0 0,-1 0 0,9 0 0,7 0 0,-46 0 0,-16 0 0,7 0 0,-4 0 0,23 0 0,-16 0 0,14 0 0,-37 4 0,4-3 0,-9 2 0</inkml:trace>
+</inkml:ink>
+</file>
+
+<file path=ppt/ink/ink61.xml><?xml version="1.0" encoding="utf-8"?>
+<inkml:ink xmlns:inkml="http://www.w3.org/2003/InkML">
+  <inkml:definitions>
+    <inkml:context xml:id="ctx0">
+      <inkml:inkSource xml:id="inkSrc0">
+        <inkml:traceFormat>
+          <inkml:channel name="X" type="integer" min="-2.14748E9" max="2.14748E9" units="cm"/>
+          <inkml:channel name="Y" type="integer" min="-2.14748E9" max="2.14748E9" units="cm"/>
+          <inkml:channel name="F" type="integer" max="32767" units="dev"/>
+        </inkml:traceFormat>
+        <inkml:channelProperties>
+          <inkml:channelProperty channel="X" name="resolution" value="1000" units="1/cm"/>
+          <inkml:channelProperty channel="Y" name="resolution" value="1000" units="1/cm"/>
+          <inkml:channelProperty channel="F" name="resolution" value="0" units="1/dev"/>
+        </inkml:channelProperties>
+      </inkml:inkSource>
+      <inkml:timestamp xml:id="ts0" timeString="2021-09-06T10:47:56.612"/>
+    </inkml:context>
+    <inkml:brush xml:id="br0">
+      <inkml:brushProperty name="width" value="0.2" units="cm"/>
+      <inkml:brushProperty name="height" value="0.2" units="cm"/>
+      <inkml:brushProperty name="color" value="#E71224"/>
+    </inkml:brush>
+  </inkml:definitions>
+  <inkml:trace contextRef="#ctx0" brushRef="#br0">1 1 24575,'36'0'0,"55"23"0,-61-8 0,53 16 0,-71-17 0,8 1 0,21 27 0,-23-21 0,22 23 0,-35-35 0,-2 7 0,-3-7 0,0 3 0,-18 2 0,-14 25 0,-2-12 0,-12 38 0,23-33 0,-5 33 0,5-4 0,6 7 0,0 4 0,-8 23 0,13-34 0,1-7 0,2-20 0,9-26 0</inkml:trace>
+</inkml:ink>
+</file>
+
+<file path=ppt/ink/ink62.xml><?xml version="1.0" encoding="utf-8"?>
+<inkml:ink xmlns:inkml="http://www.w3.org/2003/InkML">
+  <inkml:definitions>
+    <inkml:context xml:id="ctx0">
+      <inkml:inkSource xml:id="inkSrc0">
+        <inkml:traceFormat>
+          <inkml:channel name="X" type="integer" min="-2.14748E9" max="2.14748E9" units="cm"/>
+          <inkml:channel name="Y" type="integer" min="-2.14748E9" max="2.14748E9" units="cm"/>
+          <inkml:channel name="F" type="integer" max="32767" units="dev"/>
+        </inkml:traceFormat>
+        <inkml:channelProperties>
+          <inkml:channelProperty channel="X" name="resolution" value="1000" units="1/cm"/>
+          <inkml:channelProperty channel="Y" name="resolution" value="1000" units="1/cm"/>
+          <inkml:channelProperty channel="F" name="resolution" value="0" units="1/dev"/>
+        </inkml:channelProperties>
+      </inkml:inkSource>
+      <inkml:timestamp xml:id="ts0" timeString="2021-09-06T10:47:57.830"/>
+    </inkml:context>
+    <inkml:brush xml:id="br0">
+      <inkml:brushProperty name="width" value="0.2" units="cm"/>
+      <inkml:brushProperty name="height" value="0.2" units="cm"/>
+      <inkml:brushProperty name="color" value="#E71224"/>
+    </inkml:brush>
+  </inkml:definitions>
+  <inkml:trace contextRef="#ctx0" brushRef="#br0">2372 0 24575,'-64'0'0,"-8"0"0,-29 0 0,-14 0 0,2 0 0,17 0 0,14 0 0,9 0 0,-12 0-531,2 0 0,-14 0 0,-7 0 0,0 0 0,9 0 0,14 0 531,4 0 0,11 0 0,4 0 0,-11 0 0,4 0 0,-6 0 0,5 0 1003,-13 0-1003,12 0 0,1 0 0,1 0 0,12 0 261,-7 0 0,8 0-261,38 0 0,-3 0 0,16 4 1661,4-3-1661,11 2 0,-4-3 0,3 0 0</inkml:trace>
+</inkml:ink>
+</file>
+
+<file path=ppt/ink/ink63.xml><?xml version="1.0" encoding="utf-8"?>
+<inkml:ink xmlns:inkml="http://www.w3.org/2003/InkML">
+  <inkml:definitions>
+    <inkml:context xml:id="ctx0">
+      <inkml:inkSource xml:id="inkSrc0">
+        <inkml:traceFormat>
+          <inkml:channel name="X" type="integer" min="-2.14748E9" max="2.14748E9" units="cm"/>
+          <inkml:channel name="Y" type="integer" min="-2.14748E9" max="2.14748E9" units="cm"/>
+          <inkml:channel name="F" type="integer" max="32767" units="dev"/>
+        </inkml:traceFormat>
+        <inkml:channelProperties>
+          <inkml:channelProperty channel="X" name="resolution" value="1000" units="1/cm"/>
+          <inkml:channelProperty channel="Y" name="resolution" value="1000" units="1/cm"/>
+          <inkml:channelProperty channel="F" name="resolution" value="0" units="1/dev"/>
+        </inkml:channelProperties>
+      </inkml:inkSource>
+      <inkml:timestamp xml:id="ts0" timeString="2021-09-06T10:47:59.226"/>
+    </inkml:context>
+    <inkml:brush xml:id="br0">
+      <inkml:brushProperty name="width" value="0.2" units="cm"/>
+      <inkml:brushProperty name="height" value="0.2" units="cm"/>
+      <inkml:brushProperty name="color" value="#E71224"/>
+    </inkml:brush>
+  </inkml:definitions>
+  <inkml:trace contextRef="#ctx0" brushRef="#br0">379 0 24575,'-23'0'0,"0"0"0,-18 22 0,20-7 0,-20 18 0,26-9 0,-18 28 0,15-25 0,-14 31 0,17-40 0,0 6 0,-7 2 0,2-9 0,-7 13 0,7-18 0,8 3 0,12-14 0,21 2 0,-3-3 0,14 0 0,-12 0 0,6 0 0,2 0 0,22 0 0,-2 27 0,2 9 0,-7-9 0,0 6 0,8 19 0,4 11 0,-6-3-771,-5-3 0,-4 1 771,7 11 0,3 5 0,-5-10 0,3 2 0,-5-9 0,-12-15 0,-1-2 0,29 40 0,-2-6 0,-13-28 0,-28-25 0,9 4 0</inkml:trace>
 </inkml:ink>
 </file>
 
@@ -7836,10 +8621,2009 @@
           </p:pic>
         </mc:Fallback>
       </mc:AlternateContent>
+      <mc:AlternateContent xmlns:mc="http://schemas.openxmlformats.org/markup-compatibility/2006">
+        <mc:Choice xmlns:p14="http://schemas.microsoft.com/office/powerpoint/2010/main" Requires="p14">
+          <p:contentPart p14:bwMode="auto" r:id="rId45">
+            <p14:nvContentPartPr>
+              <p14:cNvPr id="29" name="Ink 28">
+                <a:extLst>
+                  <a:ext uri="{FF2B5EF4-FFF2-40B4-BE49-F238E27FC236}">
+                    <a16:creationId xmlns:a16="http://schemas.microsoft.com/office/drawing/2014/main" id="{4BB57AC4-B102-E348-AE77-7A2CA76F7A7C}"/>
+                  </a:ext>
+                </a:extLst>
+              </p14:cNvPr>
+              <p14:cNvContentPartPr/>
+              <p14:nvPr/>
+            </p14:nvContentPartPr>
+            <p14:xfrm>
+              <a:off x="2612230" y="2841218"/>
+              <a:ext cx="360" cy="360"/>
+            </p14:xfrm>
+          </p:contentPart>
+        </mc:Choice>
+        <mc:Fallback>
+          <p:pic>
+            <p:nvPicPr>
+              <p:cNvPr id="29" name="Ink 28">
+                <a:extLst>
+                  <a:ext uri="{FF2B5EF4-FFF2-40B4-BE49-F238E27FC236}">
+                    <a16:creationId xmlns:a16="http://schemas.microsoft.com/office/drawing/2014/main" id="{4BB57AC4-B102-E348-AE77-7A2CA76F7A7C}"/>
+                  </a:ext>
+                </a:extLst>
+              </p:cNvPr>
+              <p:cNvPicPr/>
+              <p:nvPr/>
+            </p:nvPicPr>
+            <p:blipFill>
+              <a:blip r:embed="rId13"/>
+              <a:stretch>
+                <a:fillRect/>
+              </a:stretch>
+            </p:blipFill>
+            <p:spPr>
+              <a:xfrm>
+                <a:off x="2576230" y="2805218"/>
+                <a:ext cx="72000" cy="72000"/>
+              </a:xfrm>
+              <a:prstGeom prst="rect">
+                <a:avLst/>
+              </a:prstGeom>
+            </p:spPr>
+          </p:pic>
+        </mc:Fallback>
+      </mc:AlternateContent>
+      <p:sp>
+        <p:nvSpPr>
+          <p:cNvPr id="30" name="TextBox 29">
+            <a:extLst>
+              <a:ext uri="{FF2B5EF4-FFF2-40B4-BE49-F238E27FC236}">
+                <a16:creationId xmlns:a16="http://schemas.microsoft.com/office/drawing/2014/main" id="{D7CF4127-4875-6146-B8DE-679DE0598CE1}"/>
+              </a:ext>
+            </a:extLst>
+          </p:cNvPr>
+          <p:cNvSpPr txBox="1"/>
+          <p:nvPr/>
+        </p:nvSpPr>
+        <p:spPr>
+          <a:xfrm>
+            <a:off x="2913732" y="6249745"/>
+            <a:ext cx="659155" cy="369332"/>
+          </a:xfrm>
+          <a:prstGeom prst="rect">
+            <a:avLst/>
+          </a:prstGeom>
+          <a:noFill/>
+        </p:spPr>
+        <p:txBody>
+          <a:bodyPr wrap="none" rtlCol="0">
+            <a:spAutoFit/>
+          </a:bodyPr>
+          <a:lstStyle/>
+          <a:p>
+            <a:r>
+              <a:rPr lang="en-TR" dirty="0"/>
+              <a:t>0- 10</a:t>
+            </a:r>
+          </a:p>
+        </p:txBody>
+      </p:sp>
+      <p:sp>
+        <p:nvSpPr>
+          <p:cNvPr id="31" name="TextBox 30">
+            <a:extLst>
+              <a:ext uri="{FF2B5EF4-FFF2-40B4-BE49-F238E27FC236}">
+                <a16:creationId xmlns:a16="http://schemas.microsoft.com/office/drawing/2014/main" id="{345162C1-32E5-174A-B703-11A1250034FE}"/>
+              </a:ext>
+            </a:extLst>
+          </p:cNvPr>
+          <p:cNvSpPr txBox="1"/>
+          <p:nvPr/>
+        </p:nvSpPr>
+        <p:spPr>
+          <a:xfrm>
+            <a:off x="938151" y="6483927"/>
+            <a:ext cx="301686" cy="369332"/>
+          </a:xfrm>
+          <a:prstGeom prst="rect">
+            <a:avLst/>
+          </a:prstGeom>
+          <a:noFill/>
+        </p:spPr>
+        <p:txBody>
+          <a:bodyPr wrap="none" rtlCol="0">
+            <a:spAutoFit/>
+          </a:bodyPr>
+          <a:lstStyle/>
+          <a:p>
+            <a:r>
+              <a:rPr lang="en-TR" dirty="0"/>
+              <a:t>0</a:t>
+            </a:r>
+          </a:p>
+        </p:txBody>
+      </p:sp>
+      <p:sp>
+        <p:nvSpPr>
+          <p:cNvPr id="32" name="TextBox 31">
+            <a:extLst>
+              <a:ext uri="{FF2B5EF4-FFF2-40B4-BE49-F238E27FC236}">
+                <a16:creationId xmlns:a16="http://schemas.microsoft.com/office/drawing/2014/main" id="{5848B94B-3243-A549-9FC5-DA90D8781EF7}"/>
+              </a:ext>
+            </a:extLst>
+          </p:cNvPr>
+          <p:cNvSpPr txBox="1"/>
+          <p:nvPr/>
+        </p:nvSpPr>
+        <p:spPr>
+          <a:xfrm>
+            <a:off x="5795158" y="6353299"/>
+            <a:ext cx="418704" cy="369332"/>
+          </a:xfrm>
+          <a:prstGeom prst="rect">
+            <a:avLst/>
+          </a:prstGeom>
+          <a:noFill/>
+        </p:spPr>
+        <p:txBody>
+          <a:bodyPr wrap="none" rtlCol="0">
+            <a:spAutoFit/>
+          </a:bodyPr>
+          <a:lstStyle/>
+          <a:p>
+            <a:r>
+              <a:rPr lang="en-TR" dirty="0"/>
+              <a:t>10</a:t>
+            </a:r>
+          </a:p>
+        </p:txBody>
+      </p:sp>
+      <p:sp>
+        <p:nvSpPr>
+          <p:cNvPr id="33" name="TextBox 32">
+            <a:extLst>
+              <a:ext uri="{FF2B5EF4-FFF2-40B4-BE49-F238E27FC236}">
+                <a16:creationId xmlns:a16="http://schemas.microsoft.com/office/drawing/2014/main" id="{7463F767-EF8C-664D-9A68-868214C187E0}"/>
+              </a:ext>
+            </a:extLst>
+          </p:cNvPr>
+          <p:cNvSpPr txBox="1"/>
+          <p:nvPr/>
+        </p:nvSpPr>
+        <p:spPr>
+          <a:xfrm>
+            <a:off x="154379" y="4203865"/>
+            <a:ext cx="301686" cy="369332"/>
+          </a:xfrm>
+          <a:prstGeom prst="rect">
+            <a:avLst/>
+          </a:prstGeom>
+          <a:noFill/>
+        </p:spPr>
+        <p:txBody>
+          <a:bodyPr wrap="none" rtlCol="0">
+            <a:spAutoFit/>
+          </a:bodyPr>
+          <a:lstStyle/>
+          <a:p>
+            <a:r>
+              <a:rPr lang="en-TR" dirty="0"/>
+              <a:t>4</a:t>
+            </a:r>
+          </a:p>
+        </p:txBody>
+      </p:sp>
+      <p:sp>
+        <p:nvSpPr>
+          <p:cNvPr id="34" name="TextBox 33">
+            <a:extLst>
+              <a:ext uri="{FF2B5EF4-FFF2-40B4-BE49-F238E27FC236}">
+                <a16:creationId xmlns:a16="http://schemas.microsoft.com/office/drawing/2014/main" id="{002BC2D6-DDAA-2B47-91F8-FA36CF83FA0A}"/>
+              </a:ext>
+            </a:extLst>
+          </p:cNvPr>
+          <p:cNvSpPr txBox="1"/>
+          <p:nvPr/>
+        </p:nvSpPr>
+        <p:spPr>
+          <a:xfrm>
+            <a:off x="59377" y="273132"/>
+            <a:ext cx="418704" cy="369332"/>
+          </a:xfrm>
+          <a:prstGeom prst="rect">
+            <a:avLst/>
+          </a:prstGeom>
+          <a:noFill/>
+        </p:spPr>
+        <p:txBody>
+          <a:bodyPr wrap="none" rtlCol="0">
+            <a:spAutoFit/>
+          </a:bodyPr>
+          <a:lstStyle/>
+          <a:p>
+            <a:r>
+              <a:rPr lang="en-TR" dirty="0"/>
+              <a:t>12</a:t>
+            </a:r>
+          </a:p>
+        </p:txBody>
+      </p:sp>
+      <p:sp>
+        <p:nvSpPr>
+          <p:cNvPr id="35" name="TextBox 34">
+            <a:extLst>
+              <a:ext uri="{FF2B5EF4-FFF2-40B4-BE49-F238E27FC236}">
+                <a16:creationId xmlns:a16="http://schemas.microsoft.com/office/drawing/2014/main" id="{9B73379F-A37E-F741-ADA9-C56542588528}"/>
+              </a:ext>
+            </a:extLst>
+          </p:cNvPr>
+          <p:cNvSpPr txBox="1"/>
+          <p:nvPr/>
+        </p:nvSpPr>
+        <p:spPr>
+          <a:xfrm>
+            <a:off x="10822375" y="177209"/>
+            <a:ext cx="825867" cy="1200329"/>
+          </a:xfrm>
+          <a:prstGeom prst="rect">
+            <a:avLst/>
+          </a:prstGeom>
+          <a:noFill/>
+        </p:spPr>
+        <p:txBody>
+          <a:bodyPr wrap="none" rtlCol="0">
+            <a:spAutoFit/>
+          </a:bodyPr>
+          <a:lstStyle/>
+          <a:p>
+            <a:r>
+              <a:rPr lang="en-TR" dirty="0"/>
+              <a:t>1,5</a:t>
+            </a:r>
+          </a:p>
+          <a:p>
+            <a:r>
+              <a:rPr lang="en-TR" dirty="0"/>
+              <a:t>0.7,5.1</a:t>
+            </a:r>
+          </a:p>
+          <a:p>
+            <a:r>
+              <a:rPr lang="en-TR" dirty="0"/>
+              <a:t>null,5</a:t>
+            </a:r>
+          </a:p>
+          <a:p>
+            <a:r>
+              <a:rPr lang="en-TR" dirty="0"/>
+              <a:t>5,null</a:t>
+            </a:r>
+          </a:p>
+        </p:txBody>
+      </p:sp>
+      <mc:AlternateContent xmlns:mc="http://schemas.openxmlformats.org/markup-compatibility/2006">
+        <mc:Choice xmlns:p14="http://schemas.microsoft.com/office/powerpoint/2010/main" Requires="p14">
+          <p:contentPart p14:bwMode="auto" r:id="rId46">
+            <p14:nvContentPartPr>
+              <p14:cNvPr id="38" name="Ink 37">
+                <a:extLst>
+                  <a:ext uri="{FF2B5EF4-FFF2-40B4-BE49-F238E27FC236}">
+                    <a16:creationId xmlns:a16="http://schemas.microsoft.com/office/drawing/2014/main" id="{BA07367B-F634-EC43-BE12-8FCA128935DB}"/>
+                  </a:ext>
+                </a:extLst>
+              </p14:cNvPr>
+              <p14:cNvContentPartPr/>
+              <p14:nvPr/>
+            </p14:nvContentPartPr>
+            <p14:xfrm>
+              <a:off x="169630" y="2128058"/>
+              <a:ext cx="3021480" cy="2616120"/>
+            </p14:xfrm>
+          </p:contentPart>
+        </mc:Choice>
+        <mc:Fallback>
+          <p:pic>
+            <p:nvPicPr>
+              <p:cNvPr id="38" name="Ink 37">
+                <a:extLst>
+                  <a:ext uri="{FF2B5EF4-FFF2-40B4-BE49-F238E27FC236}">
+                    <a16:creationId xmlns:a16="http://schemas.microsoft.com/office/drawing/2014/main" id="{BA07367B-F634-EC43-BE12-8FCA128935DB}"/>
+                  </a:ext>
+                </a:extLst>
+              </p:cNvPr>
+              <p:cNvPicPr/>
+              <p:nvPr/>
+            </p:nvPicPr>
+            <p:blipFill>
+              <a:blip r:embed="rId47"/>
+              <a:stretch>
+                <a:fillRect/>
+              </a:stretch>
+            </p:blipFill>
+            <p:spPr>
+              <a:xfrm>
+                <a:off x="133990" y="2092418"/>
+                <a:ext cx="3093120" cy="2687760"/>
+              </a:xfrm>
+              <a:prstGeom prst="rect">
+                <a:avLst/>
+              </a:prstGeom>
+            </p:spPr>
+          </p:pic>
+        </mc:Fallback>
+      </mc:AlternateContent>
+      <p:grpSp>
+        <p:nvGrpSpPr>
+          <p:cNvPr id="41" name="Group 40">
+            <a:extLst>
+              <a:ext uri="{FF2B5EF4-FFF2-40B4-BE49-F238E27FC236}">
+                <a16:creationId xmlns:a16="http://schemas.microsoft.com/office/drawing/2014/main" id="{47264359-9F3F-B34C-B0C7-4C4187B20A02}"/>
+              </a:ext>
+            </a:extLst>
+          </p:cNvPr>
+          <p:cNvGrpSpPr/>
+          <p:nvPr/>
+        </p:nvGrpSpPr>
+        <p:grpSpPr>
+          <a:xfrm>
+            <a:off x="3150430" y="-265582"/>
+            <a:ext cx="2492280" cy="2440800"/>
+            <a:chOff x="3150430" y="-265582"/>
+            <a:chExt cx="2492280" cy="2440800"/>
+          </a:xfrm>
+        </p:grpSpPr>
+        <mc:AlternateContent xmlns:mc="http://schemas.openxmlformats.org/markup-compatibility/2006">
+          <mc:Choice xmlns:p14="http://schemas.microsoft.com/office/powerpoint/2010/main" Requires="p14">
+            <p:contentPart p14:bwMode="auto" r:id="rId48">
+              <p14:nvContentPartPr>
+                <p14:cNvPr id="39" name="Ink 38">
+                  <a:extLst>
+                    <a:ext uri="{FF2B5EF4-FFF2-40B4-BE49-F238E27FC236}">
+                      <a16:creationId xmlns:a16="http://schemas.microsoft.com/office/drawing/2014/main" id="{54AE5C47-A696-E841-B1E4-20A1B1254334}"/>
+                    </a:ext>
+                  </a:extLst>
+                </p14:cNvPr>
+                <p14:cNvContentPartPr/>
+                <p14:nvPr/>
+              </p14:nvContentPartPr>
+              <p14:xfrm>
+                <a:off x="3150430" y="-169822"/>
+                <a:ext cx="2389320" cy="2345040"/>
+              </p14:xfrm>
+            </p:contentPart>
+          </mc:Choice>
+          <mc:Fallback>
+            <p:pic>
+              <p:nvPicPr>
+                <p:cNvPr id="39" name="Ink 38">
+                  <a:extLst>
+                    <a:ext uri="{FF2B5EF4-FFF2-40B4-BE49-F238E27FC236}">
+                      <a16:creationId xmlns:a16="http://schemas.microsoft.com/office/drawing/2014/main" id="{54AE5C47-A696-E841-B1E4-20A1B1254334}"/>
+                    </a:ext>
+                  </a:extLst>
+                </p:cNvPr>
+                <p:cNvPicPr/>
+                <p:nvPr/>
+              </p:nvPicPr>
+              <p:blipFill>
+                <a:blip r:embed="rId49"/>
+                <a:stretch>
+                  <a:fillRect/>
+                </a:stretch>
+              </p:blipFill>
+              <p:spPr>
+                <a:xfrm>
+                  <a:off x="3114790" y="-205822"/>
+                  <a:ext cx="2460960" cy="2416680"/>
+                </a:xfrm>
+                <a:prstGeom prst="rect">
+                  <a:avLst/>
+                </a:prstGeom>
+              </p:spPr>
+            </p:pic>
+          </mc:Fallback>
+        </mc:AlternateContent>
+        <mc:AlternateContent xmlns:mc="http://schemas.openxmlformats.org/markup-compatibility/2006">
+          <mc:Choice xmlns:p14="http://schemas.microsoft.com/office/powerpoint/2010/main" Requires="p14">
+            <p:contentPart p14:bwMode="auto" r:id="rId50">
+              <p14:nvContentPartPr>
+                <p14:cNvPr id="40" name="Ink 39">
+                  <a:extLst>
+                    <a:ext uri="{FF2B5EF4-FFF2-40B4-BE49-F238E27FC236}">
+                      <a16:creationId xmlns:a16="http://schemas.microsoft.com/office/drawing/2014/main" id="{48B0F3BB-14DE-6740-A1A0-7DF6490D6D51}"/>
+                    </a:ext>
+                  </a:extLst>
+                </p14:cNvPr>
+                <p14:cNvContentPartPr/>
+                <p14:nvPr/>
+              </p14:nvContentPartPr>
+              <p14:xfrm>
+                <a:off x="5270110" y="-265582"/>
+                <a:ext cx="372600" cy="324360"/>
+              </p14:xfrm>
+            </p:contentPart>
+          </mc:Choice>
+          <mc:Fallback>
+            <p:pic>
+              <p:nvPicPr>
+                <p:cNvPr id="40" name="Ink 39">
+                  <a:extLst>
+                    <a:ext uri="{FF2B5EF4-FFF2-40B4-BE49-F238E27FC236}">
+                      <a16:creationId xmlns:a16="http://schemas.microsoft.com/office/drawing/2014/main" id="{48B0F3BB-14DE-6740-A1A0-7DF6490D6D51}"/>
+                    </a:ext>
+                  </a:extLst>
+                </p:cNvPr>
+                <p:cNvPicPr/>
+                <p:nvPr/>
+              </p:nvPicPr>
+              <p:blipFill>
+                <a:blip r:embed="rId51"/>
+                <a:stretch>
+                  <a:fillRect/>
+                </a:stretch>
+              </p:blipFill>
+              <p:spPr>
+                <a:xfrm>
+                  <a:off x="5234470" y="-301582"/>
+                  <a:ext cx="444240" cy="396000"/>
+                </a:xfrm>
+                <a:prstGeom prst="rect">
+                  <a:avLst/>
+                </a:prstGeom>
+              </p:spPr>
+            </p:pic>
+          </mc:Fallback>
+        </mc:AlternateContent>
+      </p:grpSp>
+      <p:grpSp>
+        <p:nvGrpSpPr>
+          <p:cNvPr id="46" name="Group 45">
+            <a:extLst>
+              <a:ext uri="{FF2B5EF4-FFF2-40B4-BE49-F238E27FC236}">
+                <a16:creationId xmlns:a16="http://schemas.microsoft.com/office/drawing/2014/main" id="{40A6C957-E2EA-0346-BA4E-CCEB099A7CF9}"/>
+              </a:ext>
+            </a:extLst>
+          </p:cNvPr>
+          <p:cNvGrpSpPr/>
+          <p:nvPr/>
+        </p:nvGrpSpPr>
+        <p:grpSpPr>
+          <a:xfrm>
+            <a:off x="9957310" y="845018"/>
+            <a:ext cx="479160" cy="410760"/>
+            <a:chOff x="9957310" y="845018"/>
+            <a:chExt cx="479160" cy="410760"/>
+          </a:xfrm>
+        </p:grpSpPr>
+        <mc:AlternateContent xmlns:mc="http://schemas.openxmlformats.org/markup-compatibility/2006">
+          <mc:Choice xmlns:p14="http://schemas.microsoft.com/office/powerpoint/2010/main" Requires="p14">
+            <p:contentPart p14:bwMode="auto" r:id="rId52">
+              <p14:nvContentPartPr>
+                <p14:cNvPr id="42" name="Ink 41">
+                  <a:extLst>
+                    <a:ext uri="{FF2B5EF4-FFF2-40B4-BE49-F238E27FC236}">
+                      <a16:creationId xmlns:a16="http://schemas.microsoft.com/office/drawing/2014/main" id="{184AA382-AEEE-0D4F-A2AB-CB2E0EA6125B}"/>
+                    </a:ext>
+                  </a:extLst>
+                </p14:cNvPr>
+                <p14:cNvContentPartPr/>
+                <p14:nvPr/>
+              </p14:nvContentPartPr>
+              <p14:xfrm>
+                <a:off x="10216150" y="994058"/>
+                <a:ext cx="170640" cy="16920"/>
+              </p14:xfrm>
+            </p:contentPart>
+          </mc:Choice>
+          <mc:Fallback>
+            <p:pic>
+              <p:nvPicPr>
+                <p:cNvPr id="42" name="Ink 41">
+                  <a:extLst>
+                    <a:ext uri="{FF2B5EF4-FFF2-40B4-BE49-F238E27FC236}">
+                      <a16:creationId xmlns:a16="http://schemas.microsoft.com/office/drawing/2014/main" id="{184AA382-AEEE-0D4F-A2AB-CB2E0EA6125B}"/>
+                    </a:ext>
+                  </a:extLst>
+                </p:cNvPr>
+                <p:cNvPicPr/>
+                <p:nvPr/>
+              </p:nvPicPr>
+              <p:blipFill>
+                <a:blip r:embed="rId53"/>
+                <a:stretch>
+                  <a:fillRect/>
+                </a:stretch>
+              </p:blipFill>
+              <p:spPr>
+                <a:xfrm>
+                  <a:off x="10180150" y="958418"/>
+                  <a:ext cx="242280" cy="88560"/>
+                </a:xfrm>
+                <a:prstGeom prst="rect">
+                  <a:avLst/>
+                </a:prstGeom>
+              </p:spPr>
+            </p:pic>
+          </mc:Fallback>
+        </mc:AlternateContent>
+        <mc:AlternateContent xmlns:mc="http://schemas.openxmlformats.org/markup-compatibility/2006">
+          <mc:Choice xmlns:p14="http://schemas.microsoft.com/office/powerpoint/2010/main" Requires="p14">
+            <p:contentPart p14:bwMode="auto" r:id="rId54">
+              <p14:nvContentPartPr>
+                <p14:cNvPr id="43" name="Ink 42">
+                  <a:extLst>
+                    <a:ext uri="{FF2B5EF4-FFF2-40B4-BE49-F238E27FC236}">
+                      <a16:creationId xmlns:a16="http://schemas.microsoft.com/office/drawing/2014/main" id="{07C8BABB-E844-F340-91F5-5C84E8B5002A}"/>
+                    </a:ext>
+                  </a:extLst>
+                </p14:cNvPr>
+                <p14:cNvContentPartPr/>
+                <p14:nvPr/>
+              </p14:nvContentPartPr>
+              <p14:xfrm>
+                <a:off x="10262950" y="845018"/>
+                <a:ext cx="173520" cy="410760"/>
+              </p14:xfrm>
+            </p:contentPart>
+          </mc:Choice>
+          <mc:Fallback>
+            <p:pic>
+              <p:nvPicPr>
+                <p:cNvPr id="43" name="Ink 42">
+                  <a:extLst>
+                    <a:ext uri="{FF2B5EF4-FFF2-40B4-BE49-F238E27FC236}">
+                      <a16:creationId xmlns:a16="http://schemas.microsoft.com/office/drawing/2014/main" id="{07C8BABB-E844-F340-91F5-5C84E8B5002A}"/>
+                    </a:ext>
+                  </a:extLst>
+                </p:cNvPr>
+                <p:cNvPicPr/>
+                <p:nvPr/>
+              </p:nvPicPr>
+              <p:blipFill>
+                <a:blip r:embed="rId55"/>
+                <a:stretch>
+                  <a:fillRect/>
+                </a:stretch>
+              </p:blipFill>
+              <p:spPr>
+                <a:xfrm>
+                  <a:off x="10226950" y="809018"/>
+                  <a:ext cx="245160" cy="482400"/>
+                </a:xfrm>
+                <a:prstGeom prst="rect">
+                  <a:avLst/>
+                </a:prstGeom>
+              </p:spPr>
+            </p:pic>
+          </mc:Fallback>
+        </mc:AlternateContent>
+        <mc:AlternateContent xmlns:mc="http://schemas.openxmlformats.org/markup-compatibility/2006">
+          <mc:Choice xmlns:p14="http://schemas.microsoft.com/office/powerpoint/2010/main" Requires="p14">
+            <p:contentPart p14:bwMode="auto" r:id="rId56">
+              <p14:nvContentPartPr>
+                <p14:cNvPr id="45" name="Ink 44">
+                  <a:extLst>
+                    <a:ext uri="{FF2B5EF4-FFF2-40B4-BE49-F238E27FC236}">
+                      <a16:creationId xmlns:a16="http://schemas.microsoft.com/office/drawing/2014/main" id="{AB138498-BD04-8149-BA01-BABA4050DB07}"/>
+                    </a:ext>
+                  </a:extLst>
+                </p14:cNvPr>
+                <p14:cNvContentPartPr/>
+                <p14:nvPr/>
+              </p14:nvContentPartPr>
+              <p14:xfrm>
+                <a:off x="9957310" y="1031138"/>
+                <a:ext cx="300600" cy="360"/>
+              </p14:xfrm>
+            </p:contentPart>
+          </mc:Choice>
+          <mc:Fallback>
+            <p:pic>
+              <p:nvPicPr>
+                <p:cNvPr id="45" name="Ink 44">
+                  <a:extLst>
+                    <a:ext uri="{FF2B5EF4-FFF2-40B4-BE49-F238E27FC236}">
+                      <a16:creationId xmlns:a16="http://schemas.microsoft.com/office/drawing/2014/main" id="{AB138498-BD04-8149-BA01-BABA4050DB07}"/>
+                    </a:ext>
+                  </a:extLst>
+                </p:cNvPr>
+                <p:cNvPicPr/>
+                <p:nvPr/>
+              </p:nvPicPr>
+              <p:blipFill>
+                <a:blip r:embed="rId57"/>
+                <a:stretch>
+                  <a:fillRect/>
+                </a:stretch>
+              </p:blipFill>
+              <p:spPr>
+                <a:xfrm>
+                  <a:off x="9921670" y="995138"/>
+                  <a:ext cx="372240" cy="72000"/>
+                </a:xfrm>
+                <a:prstGeom prst="rect">
+                  <a:avLst/>
+                </a:prstGeom>
+              </p:spPr>
+            </p:pic>
+          </mc:Fallback>
+        </mc:AlternateContent>
+      </p:grpSp>
+      <p:sp>
+        <p:nvSpPr>
+          <p:cNvPr id="47" name="TextBox 46">
+            <a:extLst>
+              <a:ext uri="{FF2B5EF4-FFF2-40B4-BE49-F238E27FC236}">
+                <a16:creationId xmlns:a16="http://schemas.microsoft.com/office/drawing/2014/main" id="{4A679691-8705-A542-A7BD-ECD50954F92F}"/>
+              </a:ext>
+            </a:extLst>
+          </p:cNvPr>
+          <p:cNvSpPr txBox="1"/>
+          <p:nvPr/>
+        </p:nvSpPr>
+        <p:spPr>
+          <a:xfrm>
+            <a:off x="10557164" y="1603169"/>
+            <a:ext cx="1161600" cy="369332"/>
+          </a:xfrm>
+          <a:prstGeom prst="rect">
+            <a:avLst/>
+          </a:prstGeom>
+          <a:noFill/>
+        </p:spPr>
+        <p:txBody>
+          <a:bodyPr wrap="none" rtlCol="0">
+            <a:spAutoFit/>
+          </a:bodyPr>
+          <a:lstStyle/>
+          <a:p>
+            <a:r>
+              <a:rPr lang="en-TR" dirty="0"/>
+              <a:t>fillna(0,’x’)</a:t>
+            </a:r>
+          </a:p>
+        </p:txBody>
+      </p:sp>
+      <p:grpSp>
+        <p:nvGrpSpPr>
+          <p:cNvPr id="52" name="Group 51">
+            <a:extLst>
+              <a:ext uri="{FF2B5EF4-FFF2-40B4-BE49-F238E27FC236}">
+                <a16:creationId xmlns:a16="http://schemas.microsoft.com/office/drawing/2014/main" id="{BE08E3C3-A2AE-E647-B411-0BC8F6A25179}"/>
+              </a:ext>
+            </a:extLst>
+          </p:cNvPr>
+          <p:cNvGrpSpPr/>
+          <p:nvPr/>
+        </p:nvGrpSpPr>
+        <p:grpSpPr>
+          <a:xfrm>
+            <a:off x="10399030" y="1084418"/>
+            <a:ext cx="412560" cy="1644480"/>
+            <a:chOff x="10399030" y="1084418"/>
+            <a:chExt cx="412560" cy="1644480"/>
+          </a:xfrm>
+        </p:grpSpPr>
+        <mc:AlternateContent xmlns:mc="http://schemas.openxmlformats.org/markup-compatibility/2006">
+          <mc:Choice xmlns:p14="http://schemas.microsoft.com/office/powerpoint/2010/main" Requires="p14">
+            <p:contentPart p14:bwMode="auto" r:id="rId58">
+              <p14:nvContentPartPr>
+                <p14:cNvPr id="50" name="Ink 49">
+                  <a:extLst>
+                    <a:ext uri="{FF2B5EF4-FFF2-40B4-BE49-F238E27FC236}">
+                      <a16:creationId xmlns:a16="http://schemas.microsoft.com/office/drawing/2014/main" id="{69A996BC-9D0A-904F-9FBA-EE3F4764ED17}"/>
+                    </a:ext>
+                  </a:extLst>
+                </p14:cNvPr>
+                <p14:cNvContentPartPr/>
+                <p14:nvPr/>
+              </p14:nvContentPartPr>
+              <p14:xfrm>
+                <a:off x="10399030" y="1084418"/>
+                <a:ext cx="412560" cy="1502280"/>
+              </p14:xfrm>
+            </p:contentPart>
+          </mc:Choice>
+          <mc:Fallback>
+            <p:pic>
+              <p:nvPicPr>
+                <p:cNvPr id="50" name="Ink 49">
+                  <a:extLst>
+                    <a:ext uri="{FF2B5EF4-FFF2-40B4-BE49-F238E27FC236}">
+                      <a16:creationId xmlns:a16="http://schemas.microsoft.com/office/drawing/2014/main" id="{69A996BC-9D0A-904F-9FBA-EE3F4764ED17}"/>
+                    </a:ext>
+                  </a:extLst>
+                </p:cNvPr>
+                <p:cNvPicPr/>
+                <p:nvPr/>
+              </p:nvPicPr>
+              <p:blipFill>
+                <a:blip r:embed="rId59"/>
+                <a:stretch>
+                  <a:fillRect/>
+                </a:stretch>
+              </p:blipFill>
+              <p:spPr>
+                <a:xfrm>
+                  <a:off x="10363030" y="1048418"/>
+                  <a:ext cx="484200" cy="1573920"/>
+                </a:xfrm>
+                <a:prstGeom prst="rect">
+                  <a:avLst/>
+                </a:prstGeom>
+              </p:spPr>
+            </p:pic>
+          </mc:Fallback>
+        </mc:AlternateContent>
+        <mc:AlternateContent xmlns:mc="http://schemas.openxmlformats.org/markup-compatibility/2006">
+          <mc:Choice xmlns:p14="http://schemas.microsoft.com/office/powerpoint/2010/main" Requires="p14">
+            <p:contentPart p14:bwMode="auto" r:id="rId60">
+              <p14:nvContentPartPr>
+                <p14:cNvPr id="51" name="Ink 50">
+                  <a:extLst>
+                    <a:ext uri="{FF2B5EF4-FFF2-40B4-BE49-F238E27FC236}">
+                      <a16:creationId xmlns:a16="http://schemas.microsoft.com/office/drawing/2014/main" id="{C5DBE43C-6FFE-B741-8960-6FBFAA93AC3B}"/>
+                    </a:ext>
+                  </a:extLst>
+                </p14:cNvPr>
+                <p14:cNvContentPartPr/>
+                <p14:nvPr/>
+              </p14:nvContentPartPr>
+              <p14:xfrm>
+                <a:off x="10623670" y="2410298"/>
+                <a:ext cx="176040" cy="318600"/>
+              </p14:xfrm>
+            </p:contentPart>
+          </mc:Choice>
+          <mc:Fallback>
+            <p:pic>
+              <p:nvPicPr>
+                <p:cNvPr id="51" name="Ink 50">
+                  <a:extLst>
+                    <a:ext uri="{FF2B5EF4-FFF2-40B4-BE49-F238E27FC236}">
+                      <a16:creationId xmlns:a16="http://schemas.microsoft.com/office/drawing/2014/main" id="{C5DBE43C-6FFE-B741-8960-6FBFAA93AC3B}"/>
+                    </a:ext>
+                  </a:extLst>
+                </p:cNvPr>
+                <p:cNvPicPr/>
+                <p:nvPr/>
+              </p:nvPicPr>
+              <p:blipFill>
+                <a:blip r:embed="rId61"/>
+                <a:stretch>
+                  <a:fillRect/>
+                </a:stretch>
+              </p:blipFill>
+              <p:spPr>
+                <a:xfrm>
+                  <a:off x="10587670" y="2374658"/>
+                  <a:ext cx="247680" cy="390240"/>
+                </a:xfrm>
+                <a:prstGeom prst="rect">
+                  <a:avLst/>
+                </a:prstGeom>
+              </p:spPr>
+            </p:pic>
+          </mc:Fallback>
+        </mc:AlternateContent>
+      </p:grpSp>
+      <p:sp>
+        <p:nvSpPr>
+          <p:cNvPr id="53" name="TextBox 52">
+            <a:extLst>
+              <a:ext uri="{FF2B5EF4-FFF2-40B4-BE49-F238E27FC236}">
+                <a16:creationId xmlns:a16="http://schemas.microsoft.com/office/drawing/2014/main" id="{0E331036-BE75-4F40-872D-6DFB3FB7B431}"/>
+              </a:ext>
+            </a:extLst>
+          </p:cNvPr>
+          <p:cNvSpPr txBox="1"/>
+          <p:nvPr/>
+        </p:nvSpPr>
+        <p:spPr>
+          <a:xfrm>
+            <a:off x="11137964" y="2662917"/>
+            <a:ext cx="476412" cy="369332"/>
+          </a:xfrm>
+          <a:prstGeom prst="rect">
+            <a:avLst/>
+          </a:prstGeom>
+          <a:noFill/>
+        </p:spPr>
+        <p:txBody>
+          <a:bodyPr wrap="none" rtlCol="0">
+            <a:spAutoFit/>
+          </a:bodyPr>
+          <a:lstStyle/>
+          <a:p>
+            <a:r>
+              <a:rPr lang="en-TR" dirty="0"/>
+              <a:t>0,5</a:t>
+            </a:r>
+          </a:p>
+        </p:txBody>
+      </p:sp>
+      <mc:AlternateContent xmlns:mc="http://schemas.openxmlformats.org/markup-compatibility/2006">
+        <mc:Choice xmlns:p14="http://schemas.microsoft.com/office/powerpoint/2010/main" Requires="p14">
+          <p:contentPart p14:bwMode="auto" r:id="rId62">
+            <p14:nvContentPartPr>
+              <p14:cNvPr id="54" name="Ink 53">
+                <a:extLst>
+                  <a:ext uri="{FF2B5EF4-FFF2-40B4-BE49-F238E27FC236}">
+                    <a16:creationId xmlns:a16="http://schemas.microsoft.com/office/drawing/2014/main" id="{C3CED998-A6D9-7947-96B4-A1EA18BCA755}"/>
+                  </a:ext>
+                </a:extLst>
+              </p14:cNvPr>
+              <p14:cNvContentPartPr/>
+              <p14:nvPr/>
+            </p14:nvContentPartPr>
+            <p14:xfrm>
+              <a:off x="835270" y="3164138"/>
+              <a:ext cx="93600" cy="54000"/>
+            </p14:xfrm>
+          </p:contentPart>
+        </mc:Choice>
+        <mc:Fallback>
+          <p:pic>
+            <p:nvPicPr>
+              <p:cNvPr id="54" name="Ink 53">
+                <a:extLst>
+                  <a:ext uri="{FF2B5EF4-FFF2-40B4-BE49-F238E27FC236}">
+                    <a16:creationId xmlns:a16="http://schemas.microsoft.com/office/drawing/2014/main" id="{C3CED998-A6D9-7947-96B4-A1EA18BCA755}"/>
+                  </a:ext>
+                </a:extLst>
+              </p:cNvPr>
+              <p:cNvPicPr/>
+              <p:nvPr/>
+            </p:nvPicPr>
+            <p:blipFill>
+              <a:blip r:embed="rId63"/>
+              <a:stretch>
+                <a:fillRect/>
+              </a:stretch>
+            </p:blipFill>
+            <p:spPr>
+              <a:xfrm>
+                <a:off x="799270" y="3128498"/>
+                <a:ext cx="165240" cy="125640"/>
+              </a:xfrm>
+              <a:prstGeom prst="rect">
+                <a:avLst/>
+              </a:prstGeom>
+            </p:spPr>
+          </p:pic>
+        </mc:Fallback>
+      </mc:AlternateContent>
+      <mc:AlternateContent xmlns:mc="http://schemas.openxmlformats.org/markup-compatibility/2006">
+        <mc:Choice xmlns:p14="http://schemas.microsoft.com/office/powerpoint/2010/main" Requires="p14">
+          <p:contentPart p14:bwMode="auto" r:id="rId64">
+            <p14:nvContentPartPr>
+              <p14:cNvPr id="55" name="Ink 54">
+                <a:extLst>
+                  <a:ext uri="{FF2B5EF4-FFF2-40B4-BE49-F238E27FC236}">
+                    <a16:creationId xmlns:a16="http://schemas.microsoft.com/office/drawing/2014/main" id="{2AF47971-DAAE-AA42-BBBD-34F09B1AEF6D}"/>
+                  </a:ext>
+                </a:extLst>
+              </p14:cNvPr>
+              <p14:cNvContentPartPr/>
+              <p14:nvPr/>
+            </p14:nvContentPartPr>
+            <p14:xfrm>
+              <a:off x="3389110" y="1979873"/>
+              <a:ext cx="53640" cy="88920"/>
+            </p14:xfrm>
+          </p:contentPart>
+        </mc:Choice>
+        <mc:Fallback>
+          <p:pic>
+            <p:nvPicPr>
+              <p:cNvPr id="55" name="Ink 54">
+                <a:extLst>
+                  <a:ext uri="{FF2B5EF4-FFF2-40B4-BE49-F238E27FC236}">
+                    <a16:creationId xmlns:a16="http://schemas.microsoft.com/office/drawing/2014/main" id="{2AF47971-DAAE-AA42-BBBD-34F09B1AEF6D}"/>
+                  </a:ext>
+                </a:extLst>
+              </p:cNvPr>
+              <p:cNvPicPr/>
+              <p:nvPr/>
+            </p:nvPicPr>
+            <p:blipFill>
+              <a:blip r:embed="rId65"/>
+              <a:stretch>
+                <a:fillRect/>
+              </a:stretch>
+            </p:blipFill>
+            <p:spPr>
+              <a:xfrm>
+                <a:off x="3353110" y="1944233"/>
+                <a:ext cx="125280" cy="160560"/>
+              </a:xfrm>
+              <a:prstGeom prst="rect">
+                <a:avLst/>
+              </a:prstGeom>
+            </p:spPr>
+          </p:pic>
+        </mc:Fallback>
+      </mc:AlternateContent>
+      <p:sp>
+        <p:nvSpPr>
+          <p:cNvPr id="56" name="TextBox 55">
+            <a:extLst>
+              <a:ext uri="{FF2B5EF4-FFF2-40B4-BE49-F238E27FC236}">
+                <a16:creationId xmlns:a16="http://schemas.microsoft.com/office/drawing/2014/main" id="{72C3CB48-E386-E748-BA9B-13C050551E0E}"/>
+              </a:ext>
+            </a:extLst>
+          </p:cNvPr>
+          <p:cNvSpPr txBox="1"/>
+          <p:nvPr/>
+        </p:nvSpPr>
+        <p:spPr>
+          <a:xfrm>
+            <a:off x="3637369" y="5448259"/>
+            <a:ext cx="837089" cy="369332"/>
+          </a:xfrm>
+          <a:prstGeom prst="rect">
+            <a:avLst/>
+          </a:prstGeom>
+          <a:noFill/>
+        </p:spPr>
+        <p:txBody>
+          <a:bodyPr wrap="none" rtlCol="0">
+            <a:spAutoFit/>
+          </a:bodyPr>
+          <a:lstStyle/>
+          <a:p>
+            <a:r>
+              <a:rPr lang="en-TR" dirty="0"/>
+              <a:t>Outlier</a:t>
+            </a:r>
+          </a:p>
+        </p:txBody>
+      </p:sp>
+      <p:sp>
+        <p:nvSpPr>
+          <p:cNvPr id="57" name="TextBox 56">
+            <a:extLst>
+              <a:ext uri="{FF2B5EF4-FFF2-40B4-BE49-F238E27FC236}">
+                <a16:creationId xmlns:a16="http://schemas.microsoft.com/office/drawing/2014/main" id="{75BA093D-44B9-0641-8A91-ABBC293AF951}"/>
+              </a:ext>
+            </a:extLst>
+          </p:cNvPr>
+          <p:cNvSpPr txBox="1"/>
+          <p:nvPr/>
+        </p:nvSpPr>
+        <p:spPr>
+          <a:xfrm>
+            <a:off x="75213" y="2679847"/>
+            <a:ext cx="837089" cy="369332"/>
+          </a:xfrm>
+          <a:prstGeom prst="rect">
+            <a:avLst/>
+          </a:prstGeom>
+          <a:noFill/>
+        </p:spPr>
+        <p:txBody>
+          <a:bodyPr wrap="none" rtlCol="0">
+            <a:spAutoFit/>
+          </a:bodyPr>
+          <a:lstStyle/>
+          <a:p>
+            <a:r>
+              <a:rPr lang="en-TR" dirty="0"/>
+              <a:t>Outlier</a:t>
+            </a:r>
+          </a:p>
+        </p:txBody>
+      </p:sp>
+      <p:grpSp>
+        <p:nvGrpSpPr>
+          <p:cNvPr id="64" name="Group 63">
+            <a:extLst>
+              <a:ext uri="{FF2B5EF4-FFF2-40B4-BE49-F238E27FC236}">
+                <a16:creationId xmlns:a16="http://schemas.microsoft.com/office/drawing/2014/main" id="{BAC58222-4557-0F40-852F-ABA832BD39D5}"/>
+              </a:ext>
+            </a:extLst>
+          </p:cNvPr>
+          <p:cNvGrpSpPr/>
+          <p:nvPr/>
+        </p:nvGrpSpPr>
+        <p:grpSpPr>
+          <a:xfrm>
+            <a:off x="11153590" y="1460978"/>
+            <a:ext cx="116280" cy="140760"/>
+            <a:chOff x="11153590" y="1460978"/>
+            <a:chExt cx="116280" cy="140760"/>
+          </a:xfrm>
+        </p:grpSpPr>
+        <mc:AlternateContent xmlns:mc="http://schemas.openxmlformats.org/markup-compatibility/2006">
+          <mc:Choice xmlns:p14="http://schemas.microsoft.com/office/powerpoint/2010/main" Requires="p14">
+            <p:contentPart p14:bwMode="auto" r:id="rId66">
+              <p14:nvContentPartPr>
+                <p14:cNvPr id="62" name="Ink 61">
+                  <a:extLst>
+                    <a:ext uri="{FF2B5EF4-FFF2-40B4-BE49-F238E27FC236}">
+                      <a16:creationId xmlns:a16="http://schemas.microsoft.com/office/drawing/2014/main" id="{FD0A38F4-5816-4640-98CF-E438B0A13DEE}"/>
+                    </a:ext>
+                  </a:extLst>
+                </p14:cNvPr>
+                <p14:cNvContentPartPr/>
+                <p14:nvPr/>
+              </p14:nvContentPartPr>
+              <p14:xfrm>
+                <a:off x="11214790" y="1460978"/>
+                <a:ext cx="360" cy="84960"/>
+              </p14:xfrm>
+            </p:contentPart>
+          </mc:Choice>
+          <mc:Fallback>
+            <p:pic>
+              <p:nvPicPr>
+                <p:cNvPr id="62" name="Ink 61">
+                  <a:extLst>
+                    <a:ext uri="{FF2B5EF4-FFF2-40B4-BE49-F238E27FC236}">
+                      <a16:creationId xmlns:a16="http://schemas.microsoft.com/office/drawing/2014/main" id="{FD0A38F4-5816-4640-98CF-E438B0A13DEE}"/>
+                    </a:ext>
+                  </a:extLst>
+                </p:cNvPr>
+                <p:cNvPicPr/>
+                <p:nvPr/>
+              </p:nvPicPr>
+              <p:blipFill>
+                <a:blip r:embed="rId67"/>
+                <a:stretch>
+                  <a:fillRect/>
+                </a:stretch>
+              </p:blipFill>
+              <p:spPr>
+                <a:xfrm>
+                  <a:off x="11179150" y="1425338"/>
+                  <a:ext cx="72000" cy="156600"/>
+                </a:xfrm>
+                <a:prstGeom prst="rect">
+                  <a:avLst/>
+                </a:prstGeom>
+              </p:spPr>
+            </p:pic>
+          </mc:Fallback>
+        </mc:AlternateContent>
+        <mc:AlternateContent xmlns:mc="http://schemas.openxmlformats.org/markup-compatibility/2006">
+          <mc:Choice xmlns:p14="http://schemas.microsoft.com/office/powerpoint/2010/main" Requires="p14">
+            <p:contentPart p14:bwMode="auto" r:id="rId68">
+              <p14:nvContentPartPr>
+                <p14:cNvPr id="63" name="Ink 62">
+                  <a:extLst>
+                    <a:ext uri="{FF2B5EF4-FFF2-40B4-BE49-F238E27FC236}">
+                      <a16:creationId xmlns:a16="http://schemas.microsoft.com/office/drawing/2014/main" id="{8479687C-B1D5-8349-96D7-BCAB035092B7}"/>
+                    </a:ext>
+                  </a:extLst>
+                </p14:cNvPr>
+                <p14:cNvContentPartPr/>
+                <p14:nvPr/>
+              </p14:nvContentPartPr>
+              <p14:xfrm>
+                <a:off x="11153590" y="1506338"/>
+                <a:ext cx="116280" cy="95400"/>
+              </p14:xfrm>
+            </p:contentPart>
+          </mc:Choice>
+          <mc:Fallback>
+            <p:pic>
+              <p:nvPicPr>
+                <p:cNvPr id="63" name="Ink 62">
+                  <a:extLst>
+                    <a:ext uri="{FF2B5EF4-FFF2-40B4-BE49-F238E27FC236}">
+                      <a16:creationId xmlns:a16="http://schemas.microsoft.com/office/drawing/2014/main" id="{8479687C-B1D5-8349-96D7-BCAB035092B7}"/>
+                    </a:ext>
+                  </a:extLst>
+                </p:cNvPr>
+                <p:cNvPicPr/>
+                <p:nvPr/>
+              </p:nvPicPr>
+              <p:blipFill>
+                <a:blip r:embed="rId69"/>
+                <a:stretch>
+                  <a:fillRect/>
+                </a:stretch>
+              </p:blipFill>
+              <p:spPr>
+                <a:xfrm>
+                  <a:off x="11117590" y="1470698"/>
+                  <a:ext cx="187920" cy="167040"/>
+                </a:xfrm>
+                <a:prstGeom prst="rect">
+                  <a:avLst/>
+                </a:prstGeom>
+              </p:spPr>
+            </p:pic>
+          </mc:Fallback>
+        </mc:AlternateContent>
+      </p:grpSp>
+      <p:grpSp>
+        <p:nvGrpSpPr>
+          <p:cNvPr id="68" name="Group 67">
+            <a:extLst>
+              <a:ext uri="{FF2B5EF4-FFF2-40B4-BE49-F238E27FC236}">
+                <a16:creationId xmlns:a16="http://schemas.microsoft.com/office/drawing/2014/main" id="{8A3B9DCB-BDCF-0048-BD18-96F6E362DEF3}"/>
+              </a:ext>
+            </a:extLst>
+          </p:cNvPr>
+          <p:cNvGrpSpPr/>
+          <p:nvPr/>
+        </p:nvGrpSpPr>
+        <p:grpSpPr>
+          <a:xfrm>
+            <a:off x="11498830" y="1108898"/>
+            <a:ext cx="333000" cy="177840"/>
+            <a:chOff x="11498830" y="1108898"/>
+            <a:chExt cx="333000" cy="177840"/>
+          </a:xfrm>
+        </p:grpSpPr>
+        <mc:AlternateContent xmlns:mc="http://schemas.openxmlformats.org/markup-compatibility/2006">
+          <mc:Choice xmlns:p14="http://schemas.microsoft.com/office/powerpoint/2010/main" Requires="p14">
+            <p:contentPart p14:bwMode="auto" r:id="rId70">
+              <p14:nvContentPartPr>
+                <p14:cNvPr id="66" name="Ink 65">
+                  <a:extLst>
+                    <a:ext uri="{FF2B5EF4-FFF2-40B4-BE49-F238E27FC236}">
+                      <a16:creationId xmlns:a16="http://schemas.microsoft.com/office/drawing/2014/main" id="{26BACDA7-3DFE-D048-B5CE-8CA780F7AC54}"/>
+                    </a:ext>
+                  </a:extLst>
+                </p14:cNvPr>
+                <p14:cNvContentPartPr/>
+                <p14:nvPr/>
+              </p14:nvContentPartPr>
+              <p14:xfrm>
+                <a:off x="11586310" y="1186298"/>
+                <a:ext cx="245520" cy="39240"/>
+              </p14:xfrm>
+            </p:contentPart>
+          </mc:Choice>
+          <mc:Fallback>
+            <p:pic>
+              <p:nvPicPr>
+                <p:cNvPr id="66" name="Ink 65">
+                  <a:extLst>
+                    <a:ext uri="{FF2B5EF4-FFF2-40B4-BE49-F238E27FC236}">
+                      <a16:creationId xmlns:a16="http://schemas.microsoft.com/office/drawing/2014/main" id="{26BACDA7-3DFE-D048-B5CE-8CA780F7AC54}"/>
+                    </a:ext>
+                  </a:extLst>
+                </p:cNvPr>
+                <p:cNvPicPr/>
+                <p:nvPr/>
+              </p:nvPicPr>
+              <p:blipFill>
+                <a:blip r:embed="rId71"/>
+                <a:stretch>
+                  <a:fillRect/>
+                </a:stretch>
+              </p:blipFill>
+              <p:spPr>
+                <a:xfrm>
+                  <a:off x="11550310" y="1150658"/>
+                  <a:ext cx="317160" cy="110880"/>
+                </a:xfrm>
+                <a:prstGeom prst="rect">
+                  <a:avLst/>
+                </a:prstGeom>
+              </p:spPr>
+            </p:pic>
+          </mc:Fallback>
+        </mc:AlternateContent>
+        <mc:AlternateContent xmlns:mc="http://schemas.openxmlformats.org/markup-compatibility/2006">
+          <mc:Choice xmlns:p14="http://schemas.microsoft.com/office/powerpoint/2010/main" Requires="p14">
+            <p:contentPart p14:bwMode="auto" r:id="rId72">
+              <p14:nvContentPartPr>
+                <p14:cNvPr id="67" name="Ink 66">
+                  <a:extLst>
+                    <a:ext uri="{FF2B5EF4-FFF2-40B4-BE49-F238E27FC236}">
+                      <a16:creationId xmlns:a16="http://schemas.microsoft.com/office/drawing/2014/main" id="{64ABAD3A-444B-414B-9539-86EBC05E3436}"/>
+                    </a:ext>
+                  </a:extLst>
+                </p14:cNvPr>
+                <p14:cNvContentPartPr/>
+                <p14:nvPr/>
+              </p14:nvContentPartPr>
+              <p14:xfrm>
+                <a:off x="11498830" y="1108898"/>
+                <a:ext cx="123120" cy="177840"/>
+              </p14:xfrm>
+            </p:contentPart>
+          </mc:Choice>
+          <mc:Fallback>
+            <p:pic>
+              <p:nvPicPr>
+                <p:cNvPr id="67" name="Ink 66">
+                  <a:extLst>
+                    <a:ext uri="{FF2B5EF4-FFF2-40B4-BE49-F238E27FC236}">
+                      <a16:creationId xmlns:a16="http://schemas.microsoft.com/office/drawing/2014/main" id="{64ABAD3A-444B-414B-9539-86EBC05E3436}"/>
+                    </a:ext>
+                  </a:extLst>
+                </p:cNvPr>
+                <p:cNvPicPr/>
+                <p:nvPr/>
+              </p:nvPicPr>
+              <p:blipFill>
+                <a:blip r:embed="rId73"/>
+                <a:stretch>
+                  <a:fillRect/>
+                </a:stretch>
+              </p:blipFill>
+              <p:spPr>
+                <a:xfrm>
+                  <a:off x="11462830" y="1072898"/>
+                  <a:ext cx="194760" cy="249480"/>
+                </a:xfrm>
+                <a:prstGeom prst="rect">
+                  <a:avLst/>
+                </a:prstGeom>
+              </p:spPr>
+            </p:pic>
+          </mc:Fallback>
+        </mc:AlternateContent>
+      </p:grpSp>
     </p:spTree>
     <p:extLst>
       <p:ext uri="{BB962C8B-B14F-4D97-AF65-F5344CB8AC3E}">
         <p14:creationId xmlns:p14="http://schemas.microsoft.com/office/powerpoint/2010/main" val="737224226"/>
+      </p:ext>
+    </p:extLst>
+  </p:cSld>
+  <p:clrMapOvr>
+    <a:masterClrMapping/>
+  </p:clrMapOvr>
+</p:sld>
+</file>
+
+<file path=ppt/slides/slide6.xml><?xml version="1.0" encoding="utf-8"?>
+<p:sld xmlns:a="http://schemas.openxmlformats.org/drawingml/2006/main" xmlns:r="http://schemas.openxmlformats.org/officeDocument/2006/relationships" xmlns:p="http://schemas.openxmlformats.org/presentationml/2006/main">
+  <p:cSld>
+    <p:spTree>
+      <p:nvGrpSpPr>
+        <p:cNvPr id="1" name=""/>
+        <p:cNvGrpSpPr/>
+        <p:nvPr/>
+      </p:nvGrpSpPr>
+      <p:grpSpPr>
+        <a:xfrm>
+          <a:off x="0" y="0"/>
+          <a:ext cx="0" cy="0"/>
+          <a:chOff x="0" y="0"/>
+          <a:chExt cx="0" cy="0"/>
+        </a:xfrm>
+      </p:grpSpPr>
+      <p:pic>
+        <p:nvPicPr>
+          <p:cNvPr id="1026" name="Picture 2" descr="A Gentle Introduction to Statistical Data Distributions">
+            <a:extLst>
+              <a:ext uri="{FF2B5EF4-FFF2-40B4-BE49-F238E27FC236}">
+                <a16:creationId xmlns:a16="http://schemas.microsoft.com/office/drawing/2014/main" id="{5AD5D3C2-0ACE-CA44-8732-D0A227ED9A55}"/>
+              </a:ext>
+            </a:extLst>
+          </p:cNvPr>
+          <p:cNvPicPr>
+            <a:picLocks noChangeAspect="1" noChangeArrowheads="1"/>
+          </p:cNvPicPr>
+          <p:nvPr/>
+        </p:nvPicPr>
+        <p:blipFill>
+          <a:blip r:embed="rId2">
+            <a:extLst>
+              <a:ext uri="{28A0092B-C50C-407E-A947-70E740481C1C}">
+                <a14:useLocalDpi xmlns:a14="http://schemas.microsoft.com/office/drawing/2010/main" val="0"/>
+              </a:ext>
+            </a:extLst>
+          </a:blip>
+          <a:srcRect/>
+          <a:stretch>
+            <a:fillRect/>
+          </a:stretch>
+        </p:blipFill>
+        <p:spPr bwMode="auto">
+          <a:xfrm>
+            <a:off x="1524000" y="0"/>
+            <a:ext cx="9144000" cy="6858000"/>
+          </a:xfrm>
+          <a:prstGeom prst="rect">
+            <a:avLst/>
+          </a:prstGeom>
+          <a:noFill/>
+          <a:extLst>
+            <a:ext uri="{909E8E84-426E-40DD-AFC4-6F175D3DCCD1}">
+              <a14:hiddenFill xmlns:a14="http://schemas.microsoft.com/office/drawing/2010/main">
+                <a:solidFill>
+                  <a:srgbClr val="FFFFFF"/>
+                </a:solidFill>
+              </a14:hiddenFill>
+            </a:ext>
+          </a:extLst>
+        </p:spPr>
+      </p:pic>
+      <p:grpSp>
+        <p:nvGrpSpPr>
+          <p:cNvPr id="27" name="Group 26">
+            <a:extLst>
+              <a:ext uri="{FF2B5EF4-FFF2-40B4-BE49-F238E27FC236}">
+                <a16:creationId xmlns:a16="http://schemas.microsoft.com/office/drawing/2014/main" id="{6B6C2DEB-DB85-9B4A-81D5-669691EFBF64}"/>
+              </a:ext>
+            </a:extLst>
+          </p:cNvPr>
+          <p:cNvGrpSpPr/>
+          <p:nvPr/>
+        </p:nvGrpSpPr>
+        <p:grpSpPr>
+          <a:xfrm>
+            <a:off x="1902310" y="414458"/>
+            <a:ext cx="7752600" cy="6833880"/>
+            <a:chOff x="1902310" y="414458"/>
+            <a:chExt cx="7752600" cy="6833880"/>
+          </a:xfrm>
+        </p:grpSpPr>
+        <mc:AlternateContent xmlns:mc="http://schemas.openxmlformats.org/markup-compatibility/2006">
+          <mc:Choice xmlns:p14="http://schemas.microsoft.com/office/powerpoint/2010/main" Requires="p14">
+            <p:contentPart p14:bwMode="auto" r:id="rId3">
+              <p14:nvContentPartPr>
+                <p14:cNvPr id="11" name="Ink 10">
+                  <a:extLst>
+                    <a:ext uri="{FF2B5EF4-FFF2-40B4-BE49-F238E27FC236}">
+                      <a16:creationId xmlns:a16="http://schemas.microsoft.com/office/drawing/2014/main" id="{117451C7-0690-D540-97D7-122B60724BFD}"/>
+                    </a:ext>
+                  </a:extLst>
+                </p14:cNvPr>
+                <p14:cNvContentPartPr/>
+                <p14:nvPr/>
+              </p14:nvContentPartPr>
+              <p14:xfrm>
+                <a:off x="4545790" y="3952538"/>
+                <a:ext cx="136800" cy="3193920"/>
+              </p14:xfrm>
+            </p:contentPart>
+          </mc:Choice>
+          <mc:Fallback>
+            <p:pic>
+              <p:nvPicPr>
+                <p:cNvPr id="11" name="Ink 10">
+                  <a:extLst>
+                    <a:ext uri="{FF2B5EF4-FFF2-40B4-BE49-F238E27FC236}">
+                      <a16:creationId xmlns:a16="http://schemas.microsoft.com/office/drawing/2014/main" id="{117451C7-0690-D540-97D7-122B60724BFD}"/>
+                    </a:ext>
+                  </a:extLst>
+                </p:cNvPr>
+                <p:cNvPicPr/>
+                <p:nvPr/>
+              </p:nvPicPr>
+              <p:blipFill>
+                <a:blip r:embed="rId4"/>
+                <a:stretch>
+                  <a:fillRect/>
+                </a:stretch>
+              </p:blipFill>
+              <p:spPr>
+                <a:xfrm>
+                  <a:off x="4509790" y="3916898"/>
+                  <a:ext cx="208440" cy="3265560"/>
+                </a:xfrm>
+                <a:prstGeom prst="rect">
+                  <a:avLst/>
+                </a:prstGeom>
+              </p:spPr>
+            </p:pic>
+          </mc:Fallback>
+        </mc:AlternateContent>
+        <mc:AlternateContent xmlns:mc="http://schemas.openxmlformats.org/markup-compatibility/2006">
+          <mc:Choice xmlns:p14="http://schemas.microsoft.com/office/powerpoint/2010/main" Requires="p14">
+            <p:contentPart p14:bwMode="auto" r:id="rId5">
+              <p14:nvContentPartPr>
+                <p14:cNvPr id="12" name="Ink 11">
+                  <a:extLst>
+                    <a:ext uri="{FF2B5EF4-FFF2-40B4-BE49-F238E27FC236}">
+                      <a16:creationId xmlns:a16="http://schemas.microsoft.com/office/drawing/2014/main" id="{696A5BDC-4827-774F-8F61-46EBA8715E90}"/>
+                    </a:ext>
+                  </a:extLst>
+                </p14:cNvPr>
+                <p14:cNvContentPartPr/>
+                <p14:nvPr/>
+              </p14:nvContentPartPr>
+              <p14:xfrm>
+                <a:off x="7571230" y="3542138"/>
+                <a:ext cx="13320" cy="3706200"/>
+              </p14:xfrm>
+            </p:contentPart>
+          </mc:Choice>
+          <mc:Fallback>
+            <p:pic>
+              <p:nvPicPr>
+                <p:cNvPr id="12" name="Ink 11">
+                  <a:extLst>
+                    <a:ext uri="{FF2B5EF4-FFF2-40B4-BE49-F238E27FC236}">
+                      <a16:creationId xmlns:a16="http://schemas.microsoft.com/office/drawing/2014/main" id="{696A5BDC-4827-774F-8F61-46EBA8715E90}"/>
+                    </a:ext>
+                  </a:extLst>
+                </p:cNvPr>
+                <p:cNvPicPr/>
+                <p:nvPr/>
+              </p:nvPicPr>
+              <p:blipFill>
+                <a:blip r:embed="rId6"/>
+                <a:stretch>
+                  <a:fillRect/>
+                </a:stretch>
+              </p:blipFill>
+              <p:spPr>
+                <a:xfrm>
+                  <a:off x="7535230" y="3506498"/>
+                  <a:ext cx="84960" cy="3777840"/>
+                </a:xfrm>
+                <a:prstGeom prst="rect">
+                  <a:avLst/>
+                </a:prstGeom>
+              </p:spPr>
+            </p:pic>
+          </mc:Fallback>
+        </mc:AlternateContent>
+        <mc:AlternateContent xmlns:mc="http://schemas.openxmlformats.org/markup-compatibility/2006">
+          <mc:Choice xmlns:p14="http://schemas.microsoft.com/office/powerpoint/2010/main" Requires="p14">
+            <p:contentPart p14:bwMode="auto" r:id="rId7">
+              <p14:nvContentPartPr>
+                <p14:cNvPr id="16" name="Ink 15">
+                  <a:extLst>
+                    <a:ext uri="{FF2B5EF4-FFF2-40B4-BE49-F238E27FC236}">
+                      <a16:creationId xmlns:a16="http://schemas.microsoft.com/office/drawing/2014/main" id="{7B1671F0-36D1-6B49-93D5-6B86D5DE1CAE}"/>
+                    </a:ext>
+                  </a:extLst>
+                </p14:cNvPr>
+                <p14:cNvContentPartPr/>
+                <p14:nvPr/>
+              </p14:nvContentPartPr>
+              <p14:xfrm>
+                <a:off x="7978030" y="4976018"/>
+                <a:ext cx="1026360" cy="360"/>
+              </p14:xfrm>
+            </p:contentPart>
+          </mc:Choice>
+          <mc:Fallback>
+            <p:pic>
+              <p:nvPicPr>
+                <p:cNvPr id="16" name="Ink 15">
+                  <a:extLst>
+                    <a:ext uri="{FF2B5EF4-FFF2-40B4-BE49-F238E27FC236}">
+                      <a16:creationId xmlns:a16="http://schemas.microsoft.com/office/drawing/2014/main" id="{7B1671F0-36D1-6B49-93D5-6B86D5DE1CAE}"/>
+                    </a:ext>
+                  </a:extLst>
+                </p:cNvPr>
+                <p:cNvPicPr/>
+                <p:nvPr/>
+              </p:nvPicPr>
+              <p:blipFill>
+                <a:blip r:embed="rId8"/>
+                <a:stretch>
+                  <a:fillRect/>
+                </a:stretch>
+              </p:blipFill>
+              <p:spPr>
+                <a:xfrm>
+                  <a:off x="7942030" y="4940378"/>
+                  <a:ext cx="1098000" cy="72000"/>
+                </a:xfrm>
+                <a:prstGeom prst="rect">
+                  <a:avLst/>
+                </a:prstGeom>
+              </p:spPr>
+            </p:pic>
+          </mc:Fallback>
+        </mc:AlternateContent>
+        <mc:AlternateContent xmlns:mc="http://schemas.openxmlformats.org/markup-compatibility/2006">
+          <mc:Choice xmlns:p14="http://schemas.microsoft.com/office/powerpoint/2010/main" Requires="p14">
+            <p:contentPart p14:bwMode="auto" r:id="rId9">
+              <p14:nvContentPartPr>
+                <p14:cNvPr id="17" name="Ink 16">
+                  <a:extLst>
+                    <a:ext uri="{FF2B5EF4-FFF2-40B4-BE49-F238E27FC236}">
+                      <a16:creationId xmlns:a16="http://schemas.microsoft.com/office/drawing/2014/main" id="{0461F9FB-5BD4-5D45-AC47-2D70C67AA9B3}"/>
+                    </a:ext>
+                  </a:extLst>
+                </p14:cNvPr>
+                <p14:cNvContentPartPr/>
+                <p14:nvPr/>
+              </p14:nvContentPartPr>
+              <p14:xfrm>
+                <a:off x="8909350" y="4856858"/>
+                <a:ext cx="164520" cy="245160"/>
+              </p14:xfrm>
+            </p:contentPart>
+          </mc:Choice>
+          <mc:Fallback>
+            <p:pic>
+              <p:nvPicPr>
+                <p:cNvPr id="17" name="Ink 16">
+                  <a:extLst>
+                    <a:ext uri="{FF2B5EF4-FFF2-40B4-BE49-F238E27FC236}">
+                      <a16:creationId xmlns:a16="http://schemas.microsoft.com/office/drawing/2014/main" id="{0461F9FB-5BD4-5D45-AC47-2D70C67AA9B3}"/>
+                    </a:ext>
+                  </a:extLst>
+                </p:cNvPr>
+                <p:cNvPicPr/>
+                <p:nvPr/>
+              </p:nvPicPr>
+              <p:blipFill>
+                <a:blip r:embed="rId10"/>
+                <a:stretch>
+                  <a:fillRect/>
+                </a:stretch>
+              </p:blipFill>
+              <p:spPr>
+                <a:xfrm>
+                  <a:off x="8873350" y="4821218"/>
+                  <a:ext cx="236160" cy="316800"/>
+                </a:xfrm>
+                <a:prstGeom prst="rect">
+                  <a:avLst/>
+                </a:prstGeom>
+              </p:spPr>
+            </p:pic>
+          </mc:Fallback>
+        </mc:AlternateContent>
+        <mc:AlternateContent xmlns:mc="http://schemas.openxmlformats.org/markup-compatibility/2006">
+          <mc:Choice xmlns:p14="http://schemas.microsoft.com/office/powerpoint/2010/main" Requires="p14">
+            <p:contentPart p14:bwMode="auto" r:id="rId11">
+              <p14:nvContentPartPr>
+                <p14:cNvPr id="19" name="Ink 18">
+                  <a:extLst>
+                    <a:ext uri="{FF2B5EF4-FFF2-40B4-BE49-F238E27FC236}">
+                      <a16:creationId xmlns:a16="http://schemas.microsoft.com/office/drawing/2014/main" id="{F653F81E-7107-8648-9874-191B4E490300}"/>
+                    </a:ext>
+                  </a:extLst>
+                </p14:cNvPr>
+                <p14:cNvContentPartPr/>
+                <p14:nvPr/>
+              </p14:nvContentPartPr>
+              <p14:xfrm>
+                <a:off x="8220670" y="5564978"/>
+                <a:ext cx="1434240" cy="394560"/>
+              </p14:xfrm>
+            </p:contentPart>
+          </mc:Choice>
+          <mc:Fallback>
+            <p:pic>
+              <p:nvPicPr>
+                <p:cNvPr id="19" name="Ink 18">
+                  <a:extLst>
+                    <a:ext uri="{FF2B5EF4-FFF2-40B4-BE49-F238E27FC236}">
+                      <a16:creationId xmlns:a16="http://schemas.microsoft.com/office/drawing/2014/main" id="{F653F81E-7107-8648-9874-191B4E490300}"/>
+                    </a:ext>
+                  </a:extLst>
+                </p:cNvPr>
+                <p:cNvPicPr/>
+                <p:nvPr/>
+              </p:nvPicPr>
+              <p:blipFill>
+                <a:blip r:embed="rId12"/>
+                <a:stretch>
+                  <a:fillRect/>
+                </a:stretch>
+              </p:blipFill>
+              <p:spPr>
+                <a:xfrm>
+                  <a:off x="8184670" y="5529338"/>
+                  <a:ext cx="1505880" cy="466200"/>
+                </a:xfrm>
+                <a:prstGeom prst="rect">
+                  <a:avLst/>
+                </a:prstGeom>
+              </p:spPr>
+            </p:pic>
+          </mc:Fallback>
+        </mc:AlternateContent>
+        <mc:AlternateContent xmlns:mc="http://schemas.openxmlformats.org/markup-compatibility/2006">
+          <mc:Choice xmlns:p14="http://schemas.microsoft.com/office/powerpoint/2010/main" Requires="p14">
+            <p:contentPart p14:bwMode="auto" r:id="rId13">
+              <p14:nvContentPartPr>
+                <p14:cNvPr id="13" name="Ink 12">
+                  <a:extLst>
+                    <a:ext uri="{FF2B5EF4-FFF2-40B4-BE49-F238E27FC236}">
+                      <a16:creationId xmlns:a16="http://schemas.microsoft.com/office/drawing/2014/main" id="{B7D7237A-39EB-DC47-85DC-704D1075103E}"/>
+                    </a:ext>
+                  </a:extLst>
+                </p14:cNvPr>
+                <p14:cNvContentPartPr/>
+                <p14:nvPr/>
+              </p14:nvContentPartPr>
+              <p14:xfrm>
+                <a:off x="3116950" y="5487578"/>
+                <a:ext cx="1134720" cy="6120"/>
+              </p14:xfrm>
+            </p:contentPart>
+          </mc:Choice>
+          <mc:Fallback>
+            <p:pic>
+              <p:nvPicPr>
+                <p:cNvPr id="13" name="Ink 12">
+                  <a:extLst>
+                    <a:ext uri="{FF2B5EF4-FFF2-40B4-BE49-F238E27FC236}">
+                      <a16:creationId xmlns:a16="http://schemas.microsoft.com/office/drawing/2014/main" id="{B7D7237A-39EB-DC47-85DC-704D1075103E}"/>
+                    </a:ext>
+                  </a:extLst>
+                </p:cNvPr>
+                <p:cNvPicPr/>
+                <p:nvPr/>
+              </p:nvPicPr>
+              <p:blipFill>
+                <a:blip r:embed="rId14"/>
+                <a:stretch>
+                  <a:fillRect/>
+                </a:stretch>
+              </p:blipFill>
+              <p:spPr>
+                <a:xfrm>
+                  <a:off x="3081310" y="5451578"/>
+                  <a:ext cx="1206360" cy="77760"/>
+                </a:xfrm>
+                <a:prstGeom prst="rect">
+                  <a:avLst/>
+                </a:prstGeom>
+              </p:spPr>
+            </p:pic>
+          </mc:Fallback>
+        </mc:AlternateContent>
+        <mc:AlternateContent xmlns:mc="http://schemas.openxmlformats.org/markup-compatibility/2006">
+          <mc:Choice xmlns:p14="http://schemas.microsoft.com/office/powerpoint/2010/main" Requires="p14">
+            <p:contentPart p14:bwMode="auto" r:id="rId15">
+              <p14:nvContentPartPr>
+                <p14:cNvPr id="14" name="Ink 13">
+                  <a:extLst>
+                    <a:ext uri="{FF2B5EF4-FFF2-40B4-BE49-F238E27FC236}">
+                      <a16:creationId xmlns:a16="http://schemas.microsoft.com/office/drawing/2014/main" id="{BDB14ADB-C324-2245-885C-44E8FD996124}"/>
+                    </a:ext>
+                  </a:extLst>
+                </p14:cNvPr>
+                <p14:cNvContentPartPr/>
+                <p14:nvPr/>
+              </p14:nvContentPartPr>
+              <p14:xfrm>
+                <a:off x="2995270" y="5215058"/>
+                <a:ext cx="288720" cy="476280"/>
+              </p14:xfrm>
+            </p:contentPart>
+          </mc:Choice>
+          <mc:Fallback>
+            <p:pic>
+              <p:nvPicPr>
+                <p:cNvPr id="14" name="Ink 13">
+                  <a:extLst>
+                    <a:ext uri="{FF2B5EF4-FFF2-40B4-BE49-F238E27FC236}">
+                      <a16:creationId xmlns:a16="http://schemas.microsoft.com/office/drawing/2014/main" id="{BDB14ADB-C324-2245-885C-44E8FD996124}"/>
+                    </a:ext>
+                  </a:extLst>
+                </p:cNvPr>
+                <p:cNvPicPr/>
+                <p:nvPr/>
+              </p:nvPicPr>
+              <p:blipFill>
+                <a:blip r:embed="rId16"/>
+                <a:stretch>
+                  <a:fillRect/>
+                </a:stretch>
+              </p:blipFill>
+              <p:spPr>
+                <a:xfrm>
+                  <a:off x="2959630" y="5179058"/>
+                  <a:ext cx="360360" cy="547920"/>
+                </a:xfrm>
+                <a:prstGeom prst="rect">
+                  <a:avLst/>
+                </a:prstGeom>
+              </p:spPr>
+            </p:pic>
+          </mc:Fallback>
+        </mc:AlternateContent>
+        <mc:AlternateContent xmlns:mc="http://schemas.openxmlformats.org/markup-compatibility/2006">
+          <mc:Choice xmlns:p14="http://schemas.microsoft.com/office/powerpoint/2010/main" Requires="p14">
+            <p:contentPart p14:bwMode="auto" r:id="rId17">
+              <p14:nvContentPartPr>
+                <p14:cNvPr id="20" name="Ink 19">
+                  <a:extLst>
+                    <a:ext uri="{FF2B5EF4-FFF2-40B4-BE49-F238E27FC236}">
+                      <a16:creationId xmlns:a16="http://schemas.microsoft.com/office/drawing/2014/main" id="{88C67F63-0361-8941-9955-98C6690C0C48}"/>
+                    </a:ext>
+                  </a:extLst>
+                </p14:cNvPr>
+                <p14:cNvContentPartPr/>
+                <p14:nvPr/>
+              </p14:nvContentPartPr>
+              <p14:xfrm>
+                <a:off x="1902310" y="5607458"/>
+                <a:ext cx="1606320" cy="218880"/>
+              </p14:xfrm>
+            </p:contentPart>
+          </mc:Choice>
+          <mc:Fallback>
+            <p:pic>
+              <p:nvPicPr>
+                <p:cNvPr id="20" name="Ink 19">
+                  <a:extLst>
+                    <a:ext uri="{FF2B5EF4-FFF2-40B4-BE49-F238E27FC236}">
+                      <a16:creationId xmlns:a16="http://schemas.microsoft.com/office/drawing/2014/main" id="{88C67F63-0361-8941-9955-98C6690C0C48}"/>
+                    </a:ext>
+                  </a:extLst>
+                </p:cNvPr>
+                <p:cNvPicPr/>
+                <p:nvPr/>
+              </p:nvPicPr>
+              <p:blipFill>
+                <a:blip r:embed="rId18"/>
+                <a:stretch>
+                  <a:fillRect/>
+                </a:stretch>
+              </p:blipFill>
+              <p:spPr>
+                <a:xfrm>
+                  <a:off x="1866310" y="5571458"/>
+                  <a:ext cx="1677960" cy="290520"/>
+                </a:xfrm>
+                <a:prstGeom prst="rect">
+                  <a:avLst/>
+                </a:prstGeom>
+              </p:spPr>
+            </p:pic>
+          </mc:Fallback>
+        </mc:AlternateContent>
+        <mc:AlternateContent xmlns:mc="http://schemas.openxmlformats.org/markup-compatibility/2006">
+          <mc:Choice xmlns:p14="http://schemas.microsoft.com/office/powerpoint/2010/main" Requires="p14">
+            <p:contentPart p14:bwMode="auto" r:id="rId19">
+              <p14:nvContentPartPr>
+                <p14:cNvPr id="22" name="Ink 21">
+                  <a:extLst>
+                    <a:ext uri="{FF2B5EF4-FFF2-40B4-BE49-F238E27FC236}">
+                      <a16:creationId xmlns:a16="http://schemas.microsoft.com/office/drawing/2014/main" id="{370B727A-CCBD-2340-9B01-C73CE0A686B1}"/>
+                    </a:ext>
+                  </a:extLst>
+                </p14:cNvPr>
+                <p14:cNvContentPartPr/>
+                <p14:nvPr/>
+              </p14:nvContentPartPr>
+              <p14:xfrm>
+                <a:off x="6112870" y="414458"/>
+                <a:ext cx="43200" cy="6580800"/>
+              </p14:xfrm>
+            </p:contentPart>
+          </mc:Choice>
+          <mc:Fallback>
+            <p:pic>
+              <p:nvPicPr>
+                <p:cNvPr id="22" name="Ink 21">
+                  <a:extLst>
+                    <a:ext uri="{FF2B5EF4-FFF2-40B4-BE49-F238E27FC236}">
+                      <a16:creationId xmlns:a16="http://schemas.microsoft.com/office/drawing/2014/main" id="{370B727A-CCBD-2340-9B01-C73CE0A686B1}"/>
+                    </a:ext>
+                  </a:extLst>
+                </p:cNvPr>
+                <p:cNvPicPr/>
+                <p:nvPr/>
+              </p:nvPicPr>
+              <p:blipFill>
+                <a:blip r:embed="rId20"/>
+                <a:stretch>
+                  <a:fillRect/>
+                </a:stretch>
+              </p:blipFill>
+              <p:spPr>
+                <a:xfrm>
+                  <a:off x="6077230" y="378458"/>
+                  <a:ext cx="114840" cy="6652440"/>
+                </a:xfrm>
+                <a:prstGeom prst="rect">
+                  <a:avLst/>
+                </a:prstGeom>
+              </p:spPr>
+            </p:pic>
+          </mc:Fallback>
+        </mc:AlternateContent>
+        <mc:AlternateContent xmlns:mc="http://schemas.openxmlformats.org/markup-compatibility/2006">
+          <mc:Choice xmlns:p14="http://schemas.microsoft.com/office/powerpoint/2010/main" Requires="p14">
+            <p:contentPart p14:bwMode="auto" r:id="rId21">
+              <p14:nvContentPartPr>
+                <p14:cNvPr id="23" name="Ink 22">
+                  <a:extLst>
+                    <a:ext uri="{FF2B5EF4-FFF2-40B4-BE49-F238E27FC236}">
+                      <a16:creationId xmlns:a16="http://schemas.microsoft.com/office/drawing/2014/main" id="{EE5364E6-F8E5-7441-A38A-B5A083FF79A8}"/>
+                    </a:ext>
+                  </a:extLst>
+                </p14:cNvPr>
+                <p14:cNvContentPartPr/>
+                <p14:nvPr/>
+              </p14:nvContentPartPr>
+              <p14:xfrm>
+                <a:off x="6302590" y="4123178"/>
+                <a:ext cx="983880" cy="3240"/>
+              </p14:xfrm>
+            </p:contentPart>
+          </mc:Choice>
+          <mc:Fallback>
+            <p:pic>
+              <p:nvPicPr>
+                <p:cNvPr id="23" name="Ink 22">
+                  <a:extLst>
+                    <a:ext uri="{FF2B5EF4-FFF2-40B4-BE49-F238E27FC236}">
+                      <a16:creationId xmlns:a16="http://schemas.microsoft.com/office/drawing/2014/main" id="{EE5364E6-F8E5-7441-A38A-B5A083FF79A8}"/>
+                    </a:ext>
+                  </a:extLst>
+                </p:cNvPr>
+                <p:cNvPicPr/>
+                <p:nvPr/>
+              </p:nvPicPr>
+              <p:blipFill>
+                <a:blip r:embed="rId22"/>
+                <a:stretch>
+                  <a:fillRect/>
+                </a:stretch>
+              </p:blipFill>
+              <p:spPr>
+                <a:xfrm>
+                  <a:off x="6266590" y="4087178"/>
+                  <a:ext cx="1055520" cy="74880"/>
+                </a:xfrm>
+                <a:prstGeom prst="rect">
+                  <a:avLst/>
+                </a:prstGeom>
+              </p:spPr>
+            </p:pic>
+          </mc:Fallback>
+        </mc:AlternateContent>
+        <mc:AlternateContent xmlns:mc="http://schemas.openxmlformats.org/markup-compatibility/2006">
+          <mc:Choice xmlns:p14="http://schemas.microsoft.com/office/powerpoint/2010/main" Requires="p14">
+            <p:contentPart p14:bwMode="auto" r:id="rId23">
+              <p14:nvContentPartPr>
+                <p14:cNvPr id="24" name="Ink 23">
+                  <a:extLst>
+                    <a:ext uri="{FF2B5EF4-FFF2-40B4-BE49-F238E27FC236}">
+                      <a16:creationId xmlns:a16="http://schemas.microsoft.com/office/drawing/2014/main" id="{D700B6CE-805D-A640-A339-C3C498B9FE4C}"/>
+                    </a:ext>
+                  </a:extLst>
+                </p14:cNvPr>
+                <p14:cNvContentPartPr/>
+                <p14:nvPr/>
+              </p14:nvContentPartPr>
+              <p14:xfrm>
+                <a:off x="7243990" y="3975938"/>
+                <a:ext cx="137160" cy="340920"/>
+              </p14:xfrm>
+            </p:contentPart>
+          </mc:Choice>
+          <mc:Fallback>
+            <p:pic>
+              <p:nvPicPr>
+                <p:cNvPr id="24" name="Ink 23">
+                  <a:extLst>
+                    <a:ext uri="{FF2B5EF4-FFF2-40B4-BE49-F238E27FC236}">
+                      <a16:creationId xmlns:a16="http://schemas.microsoft.com/office/drawing/2014/main" id="{D700B6CE-805D-A640-A339-C3C498B9FE4C}"/>
+                    </a:ext>
+                  </a:extLst>
+                </p:cNvPr>
+                <p:cNvPicPr/>
+                <p:nvPr/>
+              </p:nvPicPr>
+              <p:blipFill>
+                <a:blip r:embed="rId24"/>
+                <a:stretch>
+                  <a:fillRect/>
+                </a:stretch>
+              </p:blipFill>
+              <p:spPr>
+                <a:xfrm>
+                  <a:off x="7208350" y="3940298"/>
+                  <a:ext cx="208800" cy="412560"/>
+                </a:xfrm>
+                <a:prstGeom prst="rect">
+                  <a:avLst/>
+                </a:prstGeom>
+              </p:spPr>
+            </p:pic>
+          </mc:Fallback>
+        </mc:AlternateContent>
+        <mc:AlternateContent xmlns:mc="http://schemas.openxmlformats.org/markup-compatibility/2006">
+          <mc:Choice xmlns:p14="http://schemas.microsoft.com/office/powerpoint/2010/main" Requires="p14">
+            <p:contentPart p14:bwMode="auto" r:id="rId25">
+              <p14:nvContentPartPr>
+                <p14:cNvPr id="25" name="Ink 24">
+                  <a:extLst>
+                    <a:ext uri="{FF2B5EF4-FFF2-40B4-BE49-F238E27FC236}">
+                      <a16:creationId xmlns:a16="http://schemas.microsoft.com/office/drawing/2014/main" id="{9EBE8AAC-8F23-3C47-8FD7-0522B27D73C5}"/>
+                    </a:ext>
+                  </a:extLst>
+                </p14:cNvPr>
+                <p14:cNvContentPartPr/>
+                <p14:nvPr/>
+              </p14:nvContentPartPr>
+              <p14:xfrm>
+                <a:off x="4955830" y="4123538"/>
+                <a:ext cx="853920" cy="3240"/>
+              </p14:xfrm>
+            </p:contentPart>
+          </mc:Choice>
+          <mc:Fallback>
+            <p:pic>
+              <p:nvPicPr>
+                <p:cNvPr id="25" name="Ink 24">
+                  <a:extLst>
+                    <a:ext uri="{FF2B5EF4-FFF2-40B4-BE49-F238E27FC236}">
+                      <a16:creationId xmlns:a16="http://schemas.microsoft.com/office/drawing/2014/main" id="{9EBE8AAC-8F23-3C47-8FD7-0522B27D73C5}"/>
+                    </a:ext>
+                  </a:extLst>
+                </p:cNvPr>
+                <p:cNvPicPr/>
+                <p:nvPr/>
+              </p:nvPicPr>
+              <p:blipFill>
+                <a:blip r:embed="rId26"/>
+                <a:stretch>
+                  <a:fillRect/>
+                </a:stretch>
+              </p:blipFill>
+              <p:spPr>
+                <a:xfrm>
+                  <a:off x="4919830" y="4087538"/>
+                  <a:ext cx="925560" cy="74880"/>
+                </a:xfrm>
+                <a:prstGeom prst="rect">
+                  <a:avLst/>
+                </a:prstGeom>
+              </p:spPr>
+            </p:pic>
+          </mc:Fallback>
+        </mc:AlternateContent>
+        <mc:AlternateContent xmlns:mc="http://schemas.openxmlformats.org/markup-compatibility/2006">
+          <mc:Choice xmlns:p14="http://schemas.microsoft.com/office/powerpoint/2010/main" Requires="p14">
+            <p:contentPart p14:bwMode="auto" r:id="rId27">
+              <p14:nvContentPartPr>
+                <p14:cNvPr id="26" name="Ink 25">
+                  <a:extLst>
+                    <a:ext uri="{FF2B5EF4-FFF2-40B4-BE49-F238E27FC236}">
+                      <a16:creationId xmlns:a16="http://schemas.microsoft.com/office/drawing/2014/main" id="{A5657F09-A81E-DB49-BE56-E6C61EA3431A}"/>
+                    </a:ext>
+                  </a:extLst>
+                </p14:cNvPr>
+                <p14:cNvContentPartPr/>
+                <p14:nvPr/>
+              </p14:nvContentPartPr>
+              <p14:xfrm>
+                <a:off x="4870150" y="3953618"/>
+                <a:ext cx="401040" cy="521280"/>
+              </p14:xfrm>
+            </p:contentPart>
+          </mc:Choice>
+          <mc:Fallback>
+            <p:pic>
+              <p:nvPicPr>
+                <p:cNvPr id="26" name="Ink 25">
+                  <a:extLst>
+                    <a:ext uri="{FF2B5EF4-FFF2-40B4-BE49-F238E27FC236}">
+                      <a16:creationId xmlns:a16="http://schemas.microsoft.com/office/drawing/2014/main" id="{A5657F09-A81E-DB49-BE56-E6C61EA3431A}"/>
+                    </a:ext>
+                  </a:extLst>
+                </p:cNvPr>
+                <p:cNvPicPr/>
+                <p:nvPr/>
+              </p:nvPicPr>
+              <p:blipFill>
+                <a:blip r:embed="rId28"/>
+                <a:stretch>
+                  <a:fillRect/>
+                </a:stretch>
+              </p:blipFill>
+              <p:spPr>
+                <a:xfrm>
+                  <a:off x="4834510" y="3917618"/>
+                  <a:ext cx="472680" cy="592920"/>
+                </a:xfrm>
+                <a:prstGeom prst="rect">
+                  <a:avLst/>
+                </a:prstGeom>
+              </p:spPr>
+            </p:pic>
+          </mc:Fallback>
+        </mc:AlternateContent>
+      </p:grpSp>
+    </p:spTree>
+    <p:extLst>
+      <p:ext uri="{BB962C8B-B14F-4D97-AF65-F5344CB8AC3E}">
+        <p14:creationId xmlns:p14="http://schemas.microsoft.com/office/powerpoint/2010/main" val="4071689308"/>
       </p:ext>
     </p:extLst>
   </p:cSld>
